--- a/PPT/01 Base of Autotest.pptx
+++ b/PPT/01 Base of Autotest.pptx
@@ -128,7 +128,7 @@
   </p:defaultTextStyle>
   <p:extLst>
     <p:ext uri="{EFAFB233-063F-42B5-8137-9DF3F51BA10A}">
-      <p15:sldGuideLst xmlns:p15="http://schemas.microsoft.com/office/powerpoint/2012/main">
+      <p15:sldGuideLst xmlns:p15="http://schemas.microsoft.com/office/powerpoint/2012/main" xmlns="">
         <p15:guide id="1" orient="horz" pos="2160">
           <p15:clr>
             <a:srgbClr val="A4A3A4"/>
@@ -227,7 +227,7 @@
           <a:p>
             <a:fld id="{AC305B9E-BD77-4D0C-8B11-D405776170DD}" type="datetimeFigureOut">
               <a:rPr lang="zh-CN" altLang="en-US" smtClean="0"/>
-              <a:t>2017/9/5</a:t>
+              <a:t>2017/9/7</a:t>
             </a:fld>
             <a:endParaRPr lang="zh-CN" altLang="en-US"/>
           </a:p>
@@ -1559,7 +1559,7 @@
           <a:p>
             <a:fld id="{530820CF-B880-4189-942D-D702A7CBA730}" type="datetimeFigureOut">
               <a:rPr lang="zh-CN" altLang="en-US" smtClean="0"/>
-              <a:t>2017/9/5</a:t>
+              <a:t>2017/9/7</a:t>
             </a:fld>
             <a:endParaRPr lang="zh-CN" altLang="en-US"/>
           </a:p>
@@ -4004,7 +4004,7 @@
           <a:p>
             <a:fld id="{530820CF-B880-4189-942D-D702A7CBA730}" type="datetimeFigureOut">
               <a:rPr lang="zh-CN" altLang="en-US" smtClean="0"/>
-              <a:t>2017/9/5</a:t>
+              <a:t>2017/9/7</a:t>
             </a:fld>
             <a:endParaRPr lang="zh-CN" altLang="en-US"/>
           </a:p>
@@ -5924,7 +5924,7 @@
           <a:p>
             <a:fld id="{530820CF-B880-4189-942D-D702A7CBA730}" type="datetimeFigureOut">
               <a:rPr lang="zh-CN" altLang="en-US" smtClean="0"/>
-              <a:t>2017/9/5</a:t>
+              <a:t>2017/9/7</a:t>
             </a:fld>
             <a:endParaRPr lang="zh-CN" altLang="en-US"/>
           </a:p>
@@ -6327,30 +6327,44 @@
           </a:p>
         </p:txBody>
       </p:sp>
-      <p:pic>
-        <p:nvPicPr>
-          <p:cNvPr id="6" name="图片 5"/>
-          <p:cNvPicPr>
-            <a:picLocks noChangeAspect="1"/>
-          </p:cNvPicPr>
+      <p:sp>
+        <p:nvSpPr>
+          <p:cNvPr id="4" name="TextBox 3"/>
+          <p:cNvSpPr txBox="1"/>
           <p:nvPr/>
-        </p:nvPicPr>
-        <p:blipFill>
-          <a:blip r:embed="rId3"/>
-          <a:stretch>
-            <a:fillRect/>
-          </a:stretch>
-        </p:blipFill>
+        </p:nvSpPr>
         <p:spPr>
           <a:xfrm>
-            <a:off x="5652120" y="116632"/>
-            <a:ext cx="3428571" cy="685714"/>
+            <a:off x="4860032" y="6301743"/>
+            <a:ext cx="3672408" cy="461665"/>
           </a:xfrm>
           <a:prstGeom prst="rect">
             <a:avLst/>
           </a:prstGeom>
+          <a:noFill/>
         </p:spPr>
-      </p:pic>
+        <p:txBody>
+          <a:bodyPr wrap="square" rtlCol="0">
+            <a:spAutoFit/>
+          </a:bodyPr>
+          <a:lstStyle/>
+          <a:p>
+            <a:r>
+              <a:rPr lang="zh-CN" altLang="en-US" sz="2400" b="1" dirty="0" smtClean="0">
+                <a:solidFill>
+                  <a:schemeClr val="bg1"/>
+                </a:solidFill>
+              </a:rPr>
+              <a:t>河北师范大学软件学院</a:t>
+            </a:r>
+            <a:endParaRPr lang="zh-CN" altLang="en-US" sz="2400" b="1" dirty="0">
+              <a:solidFill>
+                <a:schemeClr val="bg1"/>
+              </a:solidFill>
+            </a:endParaRPr>
+          </a:p>
+        </p:txBody>
+      </p:sp>
     </p:spTree>
     <p:extLst>
       <p:ext uri="{BB962C8B-B14F-4D97-AF65-F5344CB8AC3E}">

--- a/PPT/01 Base of Autotest.pptx
+++ b/PPT/01 Base of Autotest.pptx
@@ -5,29 +5,28 @@
     <p:sldMasterId id="2147483660" r:id="rId1"/>
   </p:sldMasterIdLst>
   <p:notesMasterIdLst>
-    <p:notesMasterId r:id="rId22"/>
+    <p:notesMasterId r:id="rId21"/>
   </p:notesMasterIdLst>
   <p:sldIdLst>
     <p:sldId id="260" r:id="rId2"/>
     <p:sldId id="261" r:id="rId3"/>
     <p:sldId id="286" r:id="rId4"/>
-    <p:sldId id="262" r:id="rId5"/>
-    <p:sldId id="270" r:id="rId6"/>
-    <p:sldId id="269" r:id="rId7"/>
-    <p:sldId id="271" r:id="rId8"/>
-    <p:sldId id="272" r:id="rId9"/>
-    <p:sldId id="263" r:id="rId10"/>
-    <p:sldId id="264" r:id="rId11"/>
-    <p:sldId id="279" r:id="rId12"/>
-    <p:sldId id="273" r:id="rId13"/>
-    <p:sldId id="277" r:id="rId14"/>
-    <p:sldId id="278" r:id="rId15"/>
-    <p:sldId id="280" r:id="rId16"/>
-    <p:sldId id="281" r:id="rId17"/>
-    <p:sldId id="282" r:id="rId18"/>
-    <p:sldId id="283" r:id="rId19"/>
-    <p:sldId id="284" r:id="rId20"/>
-    <p:sldId id="285" r:id="rId21"/>
+    <p:sldId id="270" r:id="rId5"/>
+    <p:sldId id="269" r:id="rId6"/>
+    <p:sldId id="271" r:id="rId7"/>
+    <p:sldId id="272" r:id="rId8"/>
+    <p:sldId id="263" r:id="rId9"/>
+    <p:sldId id="264" r:id="rId10"/>
+    <p:sldId id="279" r:id="rId11"/>
+    <p:sldId id="273" r:id="rId12"/>
+    <p:sldId id="277" r:id="rId13"/>
+    <p:sldId id="278" r:id="rId14"/>
+    <p:sldId id="280" r:id="rId15"/>
+    <p:sldId id="281" r:id="rId16"/>
+    <p:sldId id="282" r:id="rId17"/>
+    <p:sldId id="283" r:id="rId18"/>
+    <p:sldId id="284" r:id="rId19"/>
+    <p:sldId id="285" r:id="rId20"/>
   </p:sldIdLst>
   <p:sldSz cx="9144000" cy="6858000" type="screen4x3"/>
   <p:notesSz cx="6858000" cy="9144000"/>
@@ -128,7 +127,7 @@
   </p:defaultTextStyle>
   <p:extLst>
     <p:ext uri="{EFAFB233-063F-42B5-8137-9DF3F51BA10A}">
-      <p15:sldGuideLst xmlns:p15="http://schemas.microsoft.com/office/powerpoint/2012/main" xmlns="">
+      <p15:sldGuideLst xmlns="" xmlns:p15="http://schemas.microsoft.com/office/powerpoint/2012/main">
         <p15:guide id="1" orient="horz" pos="2160">
           <p15:clr>
             <a:srgbClr val="A4A3A4"/>
@@ -653,7 +652,7 @@
     </p:spTree>
     <p:extLst>
       <p:ext uri="{BB962C8B-B14F-4D97-AF65-F5344CB8AC3E}">
-        <p14:creationId xmlns:p14="http://schemas.microsoft.com/office/powerpoint/2010/main" val="3607952640"/>
+        <p14:creationId xmlns:p14="http://schemas.microsoft.com/office/powerpoint/2010/main" val="2296701298"/>
       </p:ext>
     </p:extLst>
   </p:cSld>
@@ -726,93 +725,9 @@
           <a:bodyPr/>
           <a:lstStyle/>
           <a:p>
-            <a:fld id="{BB5E819A-BEF4-4C39-B10D-E1908364F8E8}" type="slidenum">
-              <a:rPr lang="zh-CN" altLang="en-US" smtClean="0"/>
-              <a:t>14</a:t>
-            </a:fld>
-            <a:endParaRPr lang="zh-CN" altLang="en-US"/>
-          </a:p>
-        </p:txBody>
-      </p:sp>
-    </p:spTree>
-    <p:extLst>
-      <p:ext uri="{BB962C8B-B14F-4D97-AF65-F5344CB8AC3E}">
-        <p14:creationId xmlns:p14="http://schemas.microsoft.com/office/powerpoint/2010/main" val="2296701298"/>
-      </p:ext>
-    </p:extLst>
-  </p:cSld>
-  <p:clrMapOvr>
-    <a:masterClrMapping/>
-  </p:clrMapOvr>
-</p:notes>
-</file>
-
-<file path=ppt/notesSlides/notesSlide12.xml><?xml version="1.0" encoding="utf-8"?>
-<p:notes xmlns:a="http://schemas.openxmlformats.org/drawingml/2006/main" xmlns:r="http://schemas.openxmlformats.org/officeDocument/2006/relationships" xmlns:p="http://schemas.openxmlformats.org/presentationml/2006/main">
-  <p:cSld>
-    <p:spTree>
-      <p:nvGrpSpPr>
-        <p:cNvPr id="1" name=""/>
-        <p:cNvGrpSpPr/>
-        <p:nvPr/>
-      </p:nvGrpSpPr>
-      <p:grpSpPr>
-        <a:xfrm>
-          <a:off x="0" y="0"/>
-          <a:ext cx="0" cy="0"/>
-          <a:chOff x="0" y="0"/>
-          <a:chExt cx="0" cy="0"/>
-        </a:xfrm>
-      </p:grpSpPr>
-      <p:sp>
-        <p:nvSpPr>
-          <p:cNvPr id="2" name="幻灯片图像占位符 1"/>
-          <p:cNvSpPr>
-            <a:spLocks noGrp="1" noRot="1" noChangeAspect="1"/>
-          </p:cNvSpPr>
-          <p:nvPr>
-            <p:ph type="sldImg"/>
-          </p:nvPr>
-        </p:nvSpPr>
-        <p:spPr/>
-      </p:sp>
-      <p:sp>
-        <p:nvSpPr>
-          <p:cNvPr id="3" name="备注占位符 2"/>
-          <p:cNvSpPr>
-            <a:spLocks noGrp="1"/>
-          </p:cNvSpPr>
-          <p:nvPr>
-            <p:ph type="body" idx="1"/>
-          </p:nvPr>
-        </p:nvSpPr>
-        <p:spPr/>
-        <p:txBody>
-          <a:bodyPr/>
-          <a:lstStyle/>
-          <a:p>
-            <a:endParaRPr lang="zh-CN" altLang="en-US" dirty="0"/>
-          </a:p>
-        </p:txBody>
-      </p:sp>
-      <p:sp>
-        <p:nvSpPr>
-          <p:cNvPr id="4" name="灯片编号占位符 3"/>
-          <p:cNvSpPr>
-            <a:spLocks noGrp="1"/>
-          </p:cNvSpPr>
-          <p:nvPr>
-            <p:ph type="sldNum" sz="quarter" idx="10"/>
-          </p:nvPr>
-        </p:nvSpPr>
-        <p:spPr/>
-        <p:txBody>
-          <a:bodyPr/>
-          <a:lstStyle/>
-          <a:p>
             <a:fld id="{46A49F1E-FCFC-4294-BD1A-5F44A2F8C2ED}" type="slidenum">
               <a:rPr lang="zh-CN" altLang="en-US" smtClean="0"/>
-              <a:t>16</a:t>
+              <a:t>15</a:t>
             </a:fld>
             <a:endParaRPr lang="zh-CN" altLang="en-US"/>
           </a:p>
@@ -1127,6 +1042,21 @@
           <a:bodyPr/>
           <a:lstStyle/>
           <a:p>
+            <a:endParaRPr lang="en-US" altLang="zh-CN" dirty="0" smtClean="0"/>
+          </a:p>
+          <a:p>
+            <a:endParaRPr lang="en-US" altLang="zh-CN" dirty="0" smtClean="0"/>
+          </a:p>
+          <a:p>
+            <a:endParaRPr lang="en-US" altLang="zh-CN" dirty="0" smtClean="0"/>
+          </a:p>
+          <a:p>
+            <a:endParaRPr lang="en-US" altLang="zh-CN" dirty="0" smtClean="0"/>
+          </a:p>
+          <a:p>
+            <a:endParaRPr lang="en-US" altLang="zh-CN" dirty="0" smtClean="0"/>
+          </a:p>
+          <a:p>
             <a:endParaRPr lang="zh-CN" altLang="en-US" dirty="0"/>
           </a:p>
         </p:txBody>
@@ -1157,7 +1087,7 @@
     </p:spTree>
     <p:extLst>
       <p:ext uri="{BB962C8B-B14F-4D97-AF65-F5344CB8AC3E}">
-        <p14:creationId xmlns:p14="http://schemas.microsoft.com/office/powerpoint/2010/main" val="1452545374"/>
+        <p14:creationId xmlns:p14="http://schemas.microsoft.com/office/powerpoint/2010/main" val="3574669614"/>
       </p:ext>
     </p:extLst>
   </p:cSld>
@@ -1211,21 +1141,13 @@
           <a:bodyPr/>
           <a:lstStyle/>
           <a:p>
-            <a:endParaRPr lang="en-US" altLang="zh-CN" dirty="0" smtClean="0"/>
-          </a:p>
-          <a:p>
-            <a:endParaRPr lang="en-US" altLang="zh-CN" dirty="0" smtClean="0"/>
-          </a:p>
-          <a:p>
-            <a:endParaRPr lang="en-US" altLang="zh-CN" dirty="0" smtClean="0"/>
-          </a:p>
-          <a:p>
-            <a:endParaRPr lang="en-US" altLang="zh-CN" dirty="0" smtClean="0"/>
-          </a:p>
-          <a:p>
-            <a:endParaRPr lang="en-US" altLang="zh-CN" dirty="0" smtClean="0"/>
-          </a:p>
-          <a:p>
+            <a:pPr>
+              <a:buClr>
+                <a:schemeClr val="tx2"/>
+              </a:buClr>
+              <a:buFont typeface="Wingdings" panose="05000000000000000000" pitchFamily="2" charset="2"/>
+              <a:buNone/>
+            </a:pPr>
             <a:endParaRPr lang="zh-CN" altLang="en-US" dirty="0"/>
           </a:p>
         </p:txBody>
@@ -1256,7 +1178,7 @@
     </p:spTree>
     <p:extLst>
       <p:ext uri="{BB962C8B-B14F-4D97-AF65-F5344CB8AC3E}">
-        <p14:creationId xmlns:p14="http://schemas.microsoft.com/office/powerpoint/2010/main" val="3574669614"/>
+        <p14:creationId xmlns:p14="http://schemas.microsoft.com/office/powerpoint/2010/main" val="1971177916"/>
       </p:ext>
     </p:extLst>
   </p:cSld>
@@ -1310,13 +1232,6 @@
           <a:bodyPr/>
           <a:lstStyle/>
           <a:p>
-            <a:pPr>
-              <a:buClr>
-                <a:schemeClr val="tx2"/>
-              </a:buClr>
-              <a:buFont typeface="Wingdings" panose="05000000000000000000" pitchFamily="2" charset="2"/>
-              <a:buNone/>
-            </a:pPr>
             <a:endParaRPr lang="zh-CN" altLang="en-US" dirty="0"/>
           </a:p>
         </p:txBody>
@@ -1347,7 +1262,7 @@
     </p:spTree>
     <p:extLst>
       <p:ext uri="{BB962C8B-B14F-4D97-AF65-F5344CB8AC3E}">
-        <p14:creationId xmlns:p14="http://schemas.microsoft.com/office/powerpoint/2010/main" val="1971177916"/>
+        <p14:creationId xmlns:p14="http://schemas.microsoft.com/office/powerpoint/2010/main" val="3958529126"/>
       </p:ext>
     </p:extLst>
   </p:cSld>
@@ -1422,7 +1337,7 @@
           <a:p>
             <a:fld id="{46A49F1E-FCFC-4294-BD1A-5F44A2F8C2ED}" type="slidenum">
               <a:rPr lang="zh-CN" altLang="en-US" smtClean="0"/>
-              <a:t>10</a:t>
+              <a:t>11</a:t>
             </a:fld>
             <a:endParaRPr lang="zh-CN" altLang="en-US"/>
           </a:p>
@@ -1431,7 +1346,7 @@
     </p:spTree>
     <p:extLst>
       <p:ext uri="{BB962C8B-B14F-4D97-AF65-F5344CB8AC3E}">
-        <p14:creationId xmlns:p14="http://schemas.microsoft.com/office/powerpoint/2010/main" val="3958529126"/>
+        <p14:creationId xmlns:p14="http://schemas.microsoft.com/office/powerpoint/2010/main" val="1971177916"/>
       </p:ext>
     </p:extLst>
   </p:cSld>
@@ -1504,7 +1419,7 @@
           <a:bodyPr/>
           <a:lstStyle/>
           <a:p>
-            <a:fld id="{46A49F1E-FCFC-4294-BD1A-5F44A2F8C2ED}" type="slidenum">
+            <a:fld id="{BB5E819A-BEF4-4C39-B10D-E1908364F8E8}" type="slidenum">
               <a:rPr lang="zh-CN" altLang="en-US" smtClean="0"/>
               <a:t>12</a:t>
             </a:fld>
@@ -1515,7 +1430,7 @@
     </p:spTree>
     <p:extLst>
       <p:ext uri="{BB962C8B-B14F-4D97-AF65-F5344CB8AC3E}">
-        <p14:creationId xmlns:p14="http://schemas.microsoft.com/office/powerpoint/2010/main" val="1971177916"/>
+        <p14:creationId xmlns:p14="http://schemas.microsoft.com/office/powerpoint/2010/main" val="3607952640"/>
       </p:ext>
     </p:extLst>
   </p:cSld>
@@ -6404,7 +6319,7 @@
       </p:grpSpPr>
       <p:sp>
         <p:nvSpPr>
-          <p:cNvPr id="2" name="内容占位符 1"/>
+          <p:cNvPr id="3" name="内容占位符 2"/>
           <p:cNvSpPr>
             <a:spLocks noGrp="1"/>
           </p:cNvSpPr>
@@ -6418,51 +6333,30 @@
           <a:lstStyle/>
           <a:p>
             <a:r>
-              <a:rPr lang="zh-CN" altLang="en-US" dirty="0" smtClean="0"/>
-              <a:t>自动化测试不适合的场合</a:t>
-            </a:r>
-            <a:endParaRPr lang="en-US" altLang="zh-CN" dirty="0" smtClean="0"/>
-          </a:p>
-          <a:p>
-            <a:pPr lvl="1"/>
-            <a:r>
-              <a:rPr lang="zh-CN" altLang="en-US" dirty="0" smtClean="0"/>
-              <a:t>随机性测试</a:t>
-            </a:r>
-            <a:endParaRPr lang="en-US" altLang="zh-CN" dirty="0" smtClean="0"/>
-          </a:p>
-          <a:p>
-            <a:pPr lvl="1"/>
-            <a:r>
-              <a:rPr lang="zh-CN" altLang="en-US" dirty="0" smtClean="0"/>
-              <a:t>时间短的项目</a:t>
-            </a:r>
-            <a:endParaRPr lang="en-US" altLang="zh-CN" dirty="0" smtClean="0"/>
-          </a:p>
-          <a:p>
-            <a:pPr lvl="1"/>
-            <a:r>
-              <a:rPr lang="zh-CN" altLang="en-US" dirty="0" smtClean="0"/>
-              <a:t>需求变化多的项目，软件版本不稳定</a:t>
-            </a:r>
-            <a:endParaRPr lang="en-US" altLang="zh-CN" dirty="0" smtClean="0"/>
-          </a:p>
-          <a:p>
-            <a:pPr lvl="1"/>
-            <a:r>
-              <a:rPr lang="zh-CN" altLang="en-US" dirty="0" smtClean="0"/>
-              <a:t>涉及与物理设备交互的测试</a:t>
-            </a:r>
-            <a:endParaRPr lang="en-US" altLang="zh-CN" dirty="0" smtClean="0"/>
-          </a:p>
-          <a:p>
-            <a:endParaRPr lang="zh-CN" altLang="en-US" dirty="0"/>
-          </a:p>
-        </p:txBody>
-      </p:sp>
-      <p:sp>
-        <p:nvSpPr>
-          <p:cNvPr id="5" name="标题 2"/>
+              <a:rPr lang="zh-CN" altLang="en-US" smtClean="0"/>
+              <a:t>自动化测试概述</a:t>
+            </a:r>
+            <a:endParaRPr lang="en-US" altLang="zh-CN" smtClean="0"/>
+          </a:p>
+          <a:p>
+            <a:r>
+              <a:rPr lang="zh-CN" altLang="en-US" smtClean="0"/>
+              <a:t>自动化测试分类</a:t>
+            </a:r>
+            <a:endParaRPr lang="en-US" altLang="zh-CN" smtClean="0"/>
+          </a:p>
+          <a:p>
+            <a:r>
+              <a:rPr lang="zh-CN" altLang="en-US" smtClean="0"/>
+              <a:t>自动化测试工具</a:t>
+            </a:r>
+            <a:endParaRPr lang="en-US" altLang="zh-CN" dirty="0"/>
+          </a:p>
+        </p:txBody>
+      </p:sp>
+      <p:sp>
+        <p:nvSpPr>
+          <p:cNvPr id="2" name="标题 1"/>
           <p:cNvSpPr>
             <a:spLocks noGrp="1"/>
           </p:cNvSpPr>
@@ -6476,12 +6370,8 @@
           <a:lstStyle/>
           <a:p>
             <a:r>
-              <a:rPr lang="en-US" altLang="zh-CN" smtClean="0"/>
-              <a:t> </a:t>
-            </a:r>
-            <a:r>
-              <a:rPr lang="zh-CN" altLang="en-US" smtClean="0"/>
-              <a:t>自动化测试概述</a:t>
+              <a:rPr lang="zh-CN" altLang="en-US" smtClean="0"/>
+              <a:t>本章大纲</a:t>
             </a:r>
             <a:endParaRPr lang="zh-CN" altLang="en-US" dirty="0"/>
           </a:p>
@@ -6490,7 +6380,7 @@
     </p:spTree>
     <p:extLst>
       <p:ext uri="{BB962C8B-B14F-4D97-AF65-F5344CB8AC3E}">
-        <p14:creationId xmlns:p14="http://schemas.microsoft.com/office/powerpoint/2010/main" val="2089596479"/>
+        <p14:creationId xmlns:p14="http://schemas.microsoft.com/office/powerpoint/2010/main" val="777920618"/>
       </p:ext>
     </p:extLst>
   </p:cSld>
@@ -6526,7 +6416,7 @@
       </p:grpSpPr>
       <p:sp>
         <p:nvSpPr>
-          <p:cNvPr id="3" name="内容占位符 2"/>
+          <p:cNvPr id="2" name="内容占位符 1"/>
           <p:cNvSpPr>
             <a:spLocks noGrp="1"/>
           </p:cNvSpPr>
@@ -6540,30 +6430,50 @@
           <a:lstStyle/>
           <a:p>
             <a:r>
-              <a:rPr lang="zh-CN" altLang="en-US" smtClean="0"/>
-              <a:t>自动化测试概述</a:t>
-            </a:r>
-            <a:endParaRPr lang="en-US" altLang="zh-CN" smtClean="0"/>
-          </a:p>
-          <a:p>
-            <a:r>
-              <a:rPr lang="zh-CN" altLang="en-US" smtClean="0"/>
-              <a:t>自动化测试分类</a:t>
-            </a:r>
-            <a:endParaRPr lang="en-US" altLang="zh-CN" smtClean="0"/>
-          </a:p>
-          <a:p>
-            <a:r>
-              <a:rPr lang="zh-CN" altLang="en-US" smtClean="0"/>
-              <a:t>自动化测试工具</a:t>
-            </a:r>
-            <a:endParaRPr lang="en-US" altLang="zh-CN" dirty="0"/>
-          </a:p>
-        </p:txBody>
-      </p:sp>
-      <p:sp>
-        <p:nvSpPr>
-          <p:cNvPr id="2" name="标题 1"/>
+              <a:rPr lang="zh-CN" altLang="en-US" dirty="0" smtClean="0"/>
+              <a:t>静态自动化：代码检测，类似于编程工具的编译功能</a:t>
+            </a:r>
+            <a:endParaRPr lang="en-US" altLang="zh-CN" dirty="0" smtClean="0"/>
+          </a:p>
+          <a:p>
+            <a:r>
+              <a:rPr lang="zh-CN" altLang="en-US" dirty="0" smtClean="0"/>
+              <a:t>动态自动化：基于浏览器和</a:t>
+            </a:r>
+            <a:r>
+              <a:rPr lang="en-US" altLang="zh-CN" dirty="0" smtClean="0"/>
+              <a:t>DOM</a:t>
+            </a:r>
+            <a:r>
+              <a:rPr lang="zh-CN" altLang="en-US" dirty="0" smtClean="0"/>
+              <a:t>的自动化。基于</a:t>
+            </a:r>
+            <a:r>
+              <a:rPr lang="en-US" altLang="zh-CN" dirty="0" smtClean="0"/>
+              <a:t>GUI</a:t>
+            </a:r>
+            <a:r>
+              <a:rPr lang="zh-CN" altLang="en-US" dirty="0" smtClean="0"/>
+              <a:t>测试的自动化，模拟用户使用行为，调用</a:t>
+            </a:r>
+            <a:r>
+              <a:rPr lang="en-US" altLang="zh-CN" dirty="0" err="1" smtClean="0"/>
+              <a:t>api</a:t>
+            </a:r>
+            <a:r>
+              <a:rPr lang="zh-CN" altLang="en-US" dirty="0" smtClean="0"/>
+              <a:t>接口程序，来实现测试自动化</a:t>
+            </a:r>
+            <a:endParaRPr lang="en-US" altLang="zh-CN" dirty="0" smtClean="0"/>
+          </a:p>
+          <a:p>
+            <a:endParaRPr lang="zh-CN" altLang="en-US" dirty="0"/>
+          </a:p>
+        </p:txBody>
+      </p:sp>
+      <p:sp>
+        <p:nvSpPr>
+          <p:cNvPr id="3" name="标题 2"/>
           <p:cNvSpPr>
             <a:spLocks noGrp="1"/>
           </p:cNvSpPr>
@@ -6578,7 +6488,7 @@
           <a:p>
             <a:r>
               <a:rPr lang="zh-CN" altLang="en-US" smtClean="0"/>
-              <a:t>本章大纲</a:t>
+              <a:t>自动化测试分类</a:t>
             </a:r>
             <a:endParaRPr lang="zh-CN" altLang="en-US" dirty="0"/>
           </a:p>
@@ -6587,7 +6497,7 @@
     </p:spTree>
     <p:extLst>
       <p:ext uri="{BB962C8B-B14F-4D97-AF65-F5344CB8AC3E}">
-        <p14:creationId xmlns:p14="http://schemas.microsoft.com/office/powerpoint/2010/main" val="777920618"/>
+        <p14:creationId xmlns:p14="http://schemas.microsoft.com/office/powerpoint/2010/main" val="1084381195"/>
       </p:ext>
     </p:extLst>
   </p:cSld>
@@ -6623,123 +6533,6 @@
       </p:grpSpPr>
       <p:sp>
         <p:nvSpPr>
-          <p:cNvPr id="2" name="内容占位符 1"/>
-          <p:cNvSpPr>
-            <a:spLocks noGrp="1"/>
-          </p:cNvSpPr>
-          <p:nvPr>
-            <p:ph idx="1"/>
-          </p:nvPr>
-        </p:nvSpPr>
-        <p:spPr/>
-        <p:txBody>
-          <a:bodyPr/>
-          <a:lstStyle/>
-          <a:p>
-            <a:r>
-              <a:rPr lang="zh-CN" altLang="en-US" dirty="0" smtClean="0"/>
-              <a:t>静态自动化：代码检测，类似于编程工具的编译功能</a:t>
-            </a:r>
-            <a:endParaRPr lang="en-US" altLang="zh-CN" dirty="0" smtClean="0"/>
-          </a:p>
-          <a:p>
-            <a:r>
-              <a:rPr lang="zh-CN" altLang="en-US" dirty="0" smtClean="0"/>
-              <a:t>动态自动化：基于浏览器和</a:t>
-            </a:r>
-            <a:r>
-              <a:rPr lang="en-US" altLang="zh-CN" dirty="0" smtClean="0"/>
-              <a:t>DOM</a:t>
-            </a:r>
-            <a:r>
-              <a:rPr lang="zh-CN" altLang="en-US" dirty="0" smtClean="0"/>
-              <a:t>的自动化。基于</a:t>
-            </a:r>
-            <a:r>
-              <a:rPr lang="en-US" altLang="zh-CN" dirty="0" smtClean="0"/>
-              <a:t>GUI</a:t>
-            </a:r>
-            <a:r>
-              <a:rPr lang="zh-CN" altLang="en-US" dirty="0" smtClean="0"/>
-              <a:t>测试的自动化，模拟用户使用行为，调用</a:t>
-            </a:r>
-            <a:r>
-              <a:rPr lang="en-US" altLang="zh-CN" dirty="0" err="1" smtClean="0"/>
-              <a:t>api</a:t>
-            </a:r>
-            <a:r>
-              <a:rPr lang="zh-CN" altLang="en-US" dirty="0" smtClean="0"/>
-              <a:t>接口程序，来实现测试自动化</a:t>
-            </a:r>
-            <a:endParaRPr lang="en-US" altLang="zh-CN" dirty="0" smtClean="0"/>
-          </a:p>
-          <a:p>
-            <a:endParaRPr lang="zh-CN" altLang="en-US" dirty="0"/>
-          </a:p>
-        </p:txBody>
-      </p:sp>
-      <p:sp>
-        <p:nvSpPr>
-          <p:cNvPr id="3" name="标题 2"/>
-          <p:cNvSpPr>
-            <a:spLocks noGrp="1"/>
-          </p:cNvSpPr>
-          <p:nvPr>
-            <p:ph type="title"/>
-          </p:nvPr>
-        </p:nvSpPr>
-        <p:spPr/>
-        <p:txBody>
-          <a:bodyPr/>
-          <a:lstStyle/>
-          <a:p>
-            <a:r>
-              <a:rPr lang="zh-CN" altLang="en-US" smtClean="0"/>
-              <a:t>自动化测试分类</a:t>
-            </a:r>
-            <a:endParaRPr lang="zh-CN" altLang="en-US" dirty="0"/>
-          </a:p>
-        </p:txBody>
-      </p:sp>
-    </p:spTree>
-    <p:extLst>
-      <p:ext uri="{BB962C8B-B14F-4D97-AF65-F5344CB8AC3E}">
-        <p14:creationId xmlns:p14="http://schemas.microsoft.com/office/powerpoint/2010/main" val="1084381195"/>
-      </p:ext>
-    </p:extLst>
-  </p:cSld>
-  <p:clrMapOvr>
-    <a:masterClrMapping/>
-  </p:clrMapOvr>
-  <p:timing>
-    <p:tnLst>
-      <p:par>
-        <p:cTn id="1" dur="indefinite" restart="never" nodeType="tmRoot"/>
-      </p:par>
-    </p:tnLst>
-  </p:timing>
-</p:sld>
-</file>
-
-<file path=ppt/slides/slide13.xml><?xml version="1.0" encoding="utf-8"?>
-<p:sld xmlns:a="http://schemas.openxmlformats.org/drawingml/2006/main" xmlns:r="http://schemas.openxmlformats.org/officeDocument/2006/relationships" xmlns:p="http://schemas.openxmlformats.org/presentationml/2006/main">
-  <p:cSld>
-    <p:spTree>
-      <p:nvGrpSpPr>
-        <p:cNvPr id="1" name=""/>
-        <p:cNvGrpSpPr/>
-        <p:nvPr/>
-      </p:nvGrpSpPr>
-      <p:grpSpPr>
-        <a:xfrm>
-          <a:off x="0" y="0"/>
-          <a:ext cx="0" cy="0"/>
-          <a:chOff x="0" y="0"/>
-          <a:chExt cx="0" cy="0"/>
-        </a:xfrm>
-      </p:grpSpPr>
-      <p:sp>
-        <p:nvSpPr>
           <p:cNvPr id="11" name="内容占位符 10"/>
           <p:cNvSpPr>
             <a:spLocks noGrp="1"/>
@@ -6882,7 +6675,7 @@
 </p:sld>
 </file>
 
-<file path=ppt/slides/slide14.xml><?xml version="1.0" encoding="utf-8"?>
+<file path=ppt/slides/slide13.xml><?xml version="1.0" encoding="utf-8"?>
 <p:sld xmlns:a="http://schemas.openxmlformats.org/drawingml/2006/main" xmlns:r="http://schemas.openxmlformats.org/officeDocument/2006/relationships" xmlns:p="http://schemas.openxmlformats.org/presentationml/2006/main">
   <p:cSld>
     <p:spTree>
@@ -7031,7 +6824,7 @@
 </p:sld>
 </file>
 
-<file path=ppt/slides/slide15.xml><?xml version="1.0" encoding="utf-8"?>
+<file path=ppt/slides/slide14.xml><?xml version="1.0" encoding="utf-8"?>
 <p:sld xmlns:a="http://schemas.openxmlformats.org/drawingml/2006/main" xmlns:r="http://schemas.openxmlformats.org/officeDocument/2006/relationships" xmlns:p="http://schemas.openxmlformats.org/presentationml/2006/main">
   <p:cSld>
     <p:spTree>
@@ -7128,7 +6921,7 @@
 </p:sld>
 </file>
 
-<file path=ppt/slides/slide16.xml><?xml version="1.0" encoding="utf-8"?>
+<file path=ppt/slides/slide15.xml><?xml version="1.0" encoding="utf-8"?>
 <p:sld xmlns:a="http://schemas.openxmlformats.org/drawingml/2006/main" xmlns:r="http://schemas.openxmlformats.org/officeDocument/2006/relationships" xmlns:p="http://schemas.openxmlformats.org/presentationml/2006/main">
   <p:cSld>
     <p:spTree>
@@ -7280,7 +7073,7 @@
 </p:sld>
 </file>
 
-<file path=ppt/slides/slide17.xml><?xml version="1.0" encoding="utf-8"?>
+<file path=ppt/slides/slide16.xml><?xml version="1.0" encoding="utf-8"?>
 <p:sld xmlns:a="http://schemas.openxmlformats.org/drawingml/2006/main" xmlns:r="http://schemas.openxmlformats.org/officeDocument/2006/relationships" xmlns:p="http://schemas.openxmlformats.org/presentationml/2006/main">
   <p:cSld>
     <p:spTree>
@@ -7642,6 +7435,159 @@
 </p:sld>
 </file>
 
+<file path=ppt/slides/slide17.xml><?xml version="1.0" encoding="utf-8"?>
+<p:sld xmlns:a="http://schemas.openxmlformats.org/drawingml/2006/main" xmlns:r="http://schemas.openxmlformats.org/officeDocument/2006/relationships" xmlns:p="http://schemas.openxmlformats.org/presentationml/2006/main">
+  <p:cSld>
+    <p:spTree>
+      <p:nvGrpSpPr>
+        <p:cNvPr id="1" name=""/>
+        <p:cNvGrpSpPr/>
+        <p:nvPr/>
+      </p:nvGrpSpPr>
+      <p:grpSpPr>
+        <a:xfrm>
+          <a:off x="0" y="0"/>
+          <a:ext cx="0" cy="0"/>
+          <a:chOff x="0" y="0"/>
+          <a:chExt cx="0" cy="0"/>
+        </a:xfrm>
+      </p:grpSpPr>
+      <p:sp>
+        <p:nvSpPr>
+          <p:cNvPr id="2" name="内容占位符 1"/>
+          <p:cNvSpPr>
+            <a:spLocks noGrp="1"/>
+          </p:cNvSpPr>
+          <p:nvPr>
+            <p:ph idx="1"/>
+          </p:nvPr>
+        </p:nvSpPr>
+        <p:spPr/>
+        <p:txBody>
+          <a:bodyPr/>
+          <a:lstStyle/>
+          <a:p>
+            <a:r>
+              <a:rPr lang="en-US" altLang="zh-CN" dirty="0" err="1" smtClean="0"/>
+              <a:t>Watir</a:t>
+            </a:r>
+            <a:r>
+              <a:rPr lang="zh-CN" altLang="en-US" dirty="0" smtClean="0"/>
+              <a:t>全称是“</a:t>
+            </a:r>
+            <a:r>
+              <a:rPr lang="en-US" altLang="zh-CN" dirty="0" smtClean="0"/>
+              <a:t>Web Application Testing in Ruby”</a:t>
+            </a:r>
+            <a:r>
+              <a:rPr lang="zh-CN" altLang="en-US" dirty="0" smtClean="0"/>
+              <a:t>，是一种基于</a:t>
+            </a:r>
+            <a:r>
+              <a:rPr lang="en-US" altLang="zh-CN" dirty="0" smtClean="0"/>
+              <a:t>Web</a:t>
+            </a:r>
+            <a:r>
+              <a:rPr lang="zh-CN" altLang="en-US" dirty="0" smtClean="0"/>
+              <a:t>模式的自动化功能测试工具。</a:t>
+            </a:r>
+            <a:r>
+              <a:rPr lang="en-US" altLang="zh-CN" dirty="0" err="1" smtClean="0"/>
+              <a:t>Watir</a:t>
+            </a:r>
+            <a:r>
+              <a:rPr lang="zh-CN" altLang="en-US" dirty="0" smtClean="0"/>
+              <a:t>是一个</a:t>
+            </a:r>
+            <a:r>
+              <a:rPr lang="en-US" altLang="zh-CN" dirty="0" smtClean="0"/>
+              <a:t>Ruby</a:t>
+            </a:r>
+            <a:r>
+              <a:rPr lang="zh-CN" altLang="en-US" dirty="0" smtClean="0"/>
+              <a:t>语言库，使用</a:t>
+            </a:r>
+            <a:r>
+              <a:rPr lang="en-US" altLang="zh-CN" dirty="0" smtClean="0"/>
+              <a:t>Ruby </a:t>
+            </a:r>
+            <a:r>
+              <a:rPr lang="zh-CN" altLang="en-US" dirty="0" smtClean="0"/>
+              <a:t>语言进行脚本开发。</a:t>
+            </a:r>
+            <a:endParaRPr lang="en-US" altLang="zh-CN" dirty="0" smtClean="0"/>
+          </a:p>
+          <a:p>
+            <a:r>
+              <a:rPr lang="zh-CN" altLang="en-US" dirty="0" smtClean="0">
+                <a:solidFill>
+                  <a:srgbClr val="FF0000"/>
+                </a:solidFill>
+              </a:rPr>
+              <a:t>原理</a:t>
+            </a:r>
+            <a:r>
+              <a:rPr lang="zh-CN" altLang="en-US" dirty="0" smtClean="0"/>
+              <a:t>：以</a:t>
+            </a:r>
+            <a:r>
+              <a:rPr lang="zh-CN" altLang="en-US" dirty="0"/>
+              <a:t>事件驱动</a:t>
+            </a:r>
+            <a:r>
+              <a:rPr lang="zh-CN" altLang="en-US" dirty="0" smtClean="0"/>
+              <a:t>，触发</a:t>
+            </a:r>
+            <a:r>
+              <a:rPr lang="zh-CN" altLang="en-US" dirty="0"/>
+              <a:t>一些如点击”链接”、填写表单、点击按钮。并能验证测试结果</a:t>
+            </a:r>
+          </a:p>
+        </p:txBody>
+      </p:sp>
+      <p:sp>
+        <p:nvSpPr>
+          <p:cNvPr id="3" name="标题 2"/>
+          <p:cNvSpPr>
+            <a:spLocks noGrp="1"/>
+          </p:cNvSpPr>
+          <p:nvPr>
+            <p:ph type="title"/>
+          </p:nvPr>
+        </p:nvSpPr>
+        <p:spPr/>
+        <p:txBody>
+          <a:bodyPr/>
+          <a:lstStyle/>
+          <a:p>
+            <a:r>
+              <a:rPr lang="en-US" altLang="zh-CN" smtClean="0"/>
+              <a:t>Watir</a:t>
+            </a:r>
+            <a:endParaRPr lang="zh-CN" altLang="en-US" dirty="0"/>
+          </a:p>
+        </p:txBody>
+      </p:sp>
+    </p:spTree>
+    <p:extLst>
+      <p:ext uri="{BB962C8B-B14F-4D97-AF65-F5344CB8AC3E}">
+        <p14:creationId xmlns:p14="http://schemas.microsoft.com/office/powerpoint/2010/main" val="3132407393"/>
+      </p:ext>
+    </p:extLst>
+  </p:cSld>
+  <p:clrMapOvr>
+    <a:masterClrMapping/>
+  </p:clrMapOvr>
+  <p:timing>
+    <p:tnLst>
+      <p:par>
+        <p:cTn id="1" dur="indefinite" restart="never" nodeType="tmRoot"/>
+      </p:par>
+    </p:tnLst>
+  </p:timing>
+</p:sld>
+</file>
+
 <file path=ppt/slides/slide18.xml><?xml version="1.0" encoding="utf-8"?>
 <p:sld xmlns:a="http://schemas.openxmlformats.org/drawingml/2006/main" xmlns:r="http://schemas.openxmlformats.org/officeDocument/2006/relationships" xmlns:p="http://schemas.openxmlformats.org/presentationml/2006/main">
   <p:cSld>
@@ -7675,80 +7621,22 @@
           <a:lstStyle/>
           <a:p>
             <a:r>
-              <a:rPr lang="en-US" altLang="zh-CN" dirty="0" err="1" smtClean="0"/>
-              <a:t>Watir</a:t>
+              <a:rPr lang="en-US" altLang="zh-CN" dirty="0" smtClean="0"/>
+              <a:t>Robot Framework</a:t>
             </a:r>
             <a:r>
               <a:rPr lang="zh-CN" altLang="en-US" dirty="0" smtClean="0"/>
-              <a:t>全称是“</a:t>
+              <a:t>是一款基于</a:t>
             </a:r>
             <a:r>
               <a:rPr lang="en-US" altLang="zh-CN" dirty="0" smtClean="0"/>
-              <a:t>Web Application Testing in Ruby”</a:t>
+              <a:t>Python</a:t>
             </a:r>
             <a:r>
               <a:rPr lang="zh-CN" altLang="en-US" dirty="0" smtClean="0"/>
-              <a:t>，是一种基于</a:t>
-            </a:r>
-            <a:r>
-              <a:rPr lang="en-US" altLang="zh-CN" dirty="0" smtClean="0"/>
-              <a:t>Web</a:t>
-            </a:r>
-            <a:r>
-              <a:rPr lang="zh-CN" altLang="en-US" dirty="0" smtClean="0"/>
-              <a:t>模式的自动化功能测试工具。</a:t>
-            </a:r>
-            <a:r>
-              <a:rPr lang="en-US" altLang="zh-CN" dirty="0" err="1" smtClean="0"/>
-              <a:t>Watir</a:t>
-            </a:r>
-            <a:r>
-              <a:rPr lang="zh-CN" altLang="en-US" dirty="0" smtClean="0"/>
-              <a:t>是一个</a:t>
-            </a:r>
-            <a:r>
-              <a:rPr lang="en-US" altLang="zh-CN" dirty="0" smtClean="0"/>
-              <a:t>Ruby</a:t>
-            </a:r>
-            <a:r>
-              <a:rPr lang="zh-CN" altLang="en-US" dirty="0" smtClean="0"/>
-              <a:t>语言库，使用</a:t>
-            </a:r>
-            <a:r>
-              <a:rPr lang="en-US" altLang="zh-CN" dirty="0" smtClean="0"/>
-              <a:t>Ruby </a:t>
-            </a:r>
-            <a:r>
-              <a:rPr lang="zh-CN" altLang="en-US" dirty="0" smtClean="0"/>
-              <a:t>语言进行脚本开发。</a:t>
-            </a:r>
-            <a:endParaRPr lang="en-US" altLang="zh-CN" dirty="0" smtClean="0"/>
-          </a:p>
-          <a:p>
-            <a:r>
-              <a:rPr lang="zh-CN" altLang="en-US" dirty="0" smtClean="0">
-                <a:solidFill>
-                  <a:srgbClr val="FF0000"/>
-                </a:solidFill>
-              </a:rPr>
-              <a:t>原理</a:t>
-            </a:r>
-            <a:r>
-              <a:rPr lang="zh-CN" altLang="en-US" dirty="0" smtClean="0"/>
-              <a:t>：以</a:t>
-            </a:r>
-            <a:r>
-              <a:rPr lang="zh-CN" altLang="en-US" dirty="0"/>
-              <a:t>事件驱动</a:t>
-            </a:r>
-            <a:r>
-              <a:rPr lang="zh-CN" altLang="en-US" dirty="0" smtClean="0"/>
-              <a:t>，触发</a:t>
-            </a:r>
-            <a:r>
-              <a:rPr lang="zh-CN" altLang="en-US" dirty="0"/>
-              <a:t>一些如点击”链接”、填写表单、点击按钮。并能验证测试结果</a:t>
-            </a:r>
+              <a:t>语言编写的自动化测试框架，具备良好的可扩展性，支持关键字驱动，可以同时测试多种类型的客户端或者接口，可以进行分布式测试</a:t>
+            </a:r>
+            <a:endParaRPr lang="zh-CN" altLang="en-US" dirty="0"/>
           </a:p>
         </p:txBody>
       </p:sp>
@@ -7769,7 +7657,7 @@
           <a:p>
             <a:r>
               <a:rPr lang="en-US" altLang="zh-CN" smtClean="0"/>
-              <a:t>Watir</a:t>
+              <a:t>Robot Framework</a:t>
             </a:r>
             <a:endParaRPr lang="zh-CN" altLang="en-US" dirty="0"/>
           </a:p>
@@ -7778,7 +7666,7 @@
     </p:spTree>
     <p:extLst>
       <p:ext uri="{BB962C8B-B14F-4D97-AF65-F5344CB8AC3E}">
-        <p14:creationId xmlns:p14="http://schemas.microsoft.com/office/powerpoint/2010/main" val="3132407393"/>
+        <p14:creationId xmlns:p14="http://schemas.microsoft.com/office/powerpoint/2010/main" val="2085654826"/>
       </p:ext>
     </p:extLst>
   </p:cSld>
@@ -7822,58 +7710,52 @@
             <p:ph idx="1"/>
           </p:nvPr>
         </p:nvSpPr>
+        <p:spPr>
+          <a:xfrm>
+            <a:off x="2915816" y="2492896"/>
+            <a:ext cx="3384376" cy="1440160"/>
+          </a:xfrm>
+        </p:spPr>
+        <p:txBody>
+          <a:bodyPr>
+            <a:noAutofit/>
+          </a:bodyPr>
+          <a:lstStyle/>
+          <a:p>
+            <a:pPr marL="0" indent="0">
+              <a:buNone/>
+            </a:pPr>
+            <a:r>
+              <a:rPr lang="zh-CN" altLang="en-US" sz="7200" dirty="0" smtClean="0"/>
+              <a:t>谢谢</a:t>
+            </a:r>
+            <a:endParaRPr lang="zh-CN" altLang="en-US" sz="7200" dirty="0"/>
+          </a:p>
+        </p:txBody>
+      </p:sp>
+      <p:sp>
+        <p:nvSpPr>
+          <p:cNvPr id="3" name="标题 2"/>
+          <p:cNvSpPr>
+            <a:spLocks noGrp="1"/>
+          </p:cNvSpPr>
+          <p:nvPr>
+            <p:ph type="title"/>
+          </p:nvPr>
+        </p:nvSpPr>
         <p:spPr/>
         <p:txBody>
           <a:bodyPr/>
           <a:lstStyle/>
           <a:p>
-            <a:r>
-              <a:rPr lang="en-US" altLang="zh-CN" dirty="0" smtClean="0"/>
-              <a:t>Robot Framework</a:t>
-            </a:r>
-            <a:r>
-              <a:rPr lang="zh-CN" altLang="en-US" dirty="0" smtClean="0"/>
-              <a:t>是一款基于</a:t>
-            </a:r>
-            <a:r>
-              <a:rPr lang="en-US" altLang="zh-CN" dirty="0" smtClean="0"/>
-              <a:t>Python</a:t>
-            </a:r>
-            <a:r>
-              <a:rPr lang="zh-CN" altLang="en-US" dirty="0" smtClean="0"/>
-              <a:t>语言编写的自动化测试框架，具备良好的可扩展性，支持关键字驱动，可以同时测试多种类型的客户端或者接口，可以进行分布式测试</a:t>
-            </a:r>
-            <a:endParaRPr lang="zh-CN" altLang="en-US" dirty="0"/>
-          </a:p>
-        </p:txBody>
-      </p:sp>
-      <p:sp>
-        <p:nvSpPr>
-          <p:cNvPr id="3" name="标题 2"/>
-          <p:cNvSpPr>
-            <a:spLocks noGrp="1"/>
-          </p:cNvSpPr>
-          <p:nvPr>
-            <p:ph type="title"/>
-          </p:nvPr>
-        </p:nvSpPr>
-        <p:spPr/>
-        <p:txBody>
-          <a:bodyPr/>
-          <a:lstStyle/>
-          <a:p>
-            <a:r>
-              <a:rPr lang="en-US" altLang="zh-CN" smtClean="0"/>
-              <a:t>Robot Framework</a:t>
-            </a:r>
-            <a:endParaRPr lang="zh-CN" altLang="en-US" dirty="0"/>
+            <a:endParaRPr lang="zh-CN" altLang="en-US"/>
           </a:p>
         </p:txBody>
       </p:sp>
     </p:spTree>
     <p:extLst>
       <p:ext uri="{BB962C8B-B14F-4D97-AF65-F5344CB8AC3E}">
-        <p14:creationId xmlns:p14="http://schemas.microsoft.com/office/powerpoint/2010/main" val="2085654826"/>
+        <p14:creationId xmlns:p14="http://schemas.microsoft.com/office/powerpoint/2010/main" val="2393781850"/>
       </p:ext>
     </p:extLst>
   </p:cSld>
@@ -8022,95 +7904,6 @@
 </p:sld>
 </file>
 
-<file path=ppt/slides/slide20.xml><?xml version="1.0" encoding="utf-8"?>
-<p:sld xmlns:a="http://schemas.openxmlformats.org/drawingml/2006/main" xmlns:r="http://schemas.openxmlformats.org/officeDocument/2006/relationships" xmlns:p="http://schemas.openxmlformats.org/presentationml/2006/main">
-  <p:cSld>
-    <p:spTree>
-      <p:nvGrpSpPr>
-        <p:cNvPr id="1" name=""/>
-        <p:cNvGrpSpPr/>
-        <p:nvPr/>
-      </p:nvGrpSpPr>
-      <p:grpSpPr>
-        <a:xfrm>
-          <a:off x="0" y="0"/>
-          <a:ext cx="0" cy="0"/>
-          <a:chOff x="0" y="0"/>
-          <a:chExt cx="0" cy="0"/>
-        </a:xfrm>
-      </p:grpSpPr>
-      <p:sp>
-        <p:nvSpPr>
-          <p:cNvPr id="2" name="内容占位符 1"/>
-          <p:cNvSpPr>
-            <a:spLocks noGrp="1"/>
-          </p:cNvSpPr>
-          <p:nvPr>
-            <p:ph idx="1"/>
-          </p:nvPr>
-        </p:nvSpPr>
-        <p:spPr>
-          <a:xfrm>
-            <a:off x="2915816" y="2492896"/>
-            <a:ext cx="3384376" cy="1440160"/>
-          </a:xfrm>
-        </p:spPr>
-        <p:txBody>
-          <a:bodyPr>
-            <a:noAutofit/>
-          </a:bodyPr>
-          <a:lstStyle/>
-          <a:p>
-            <a:pPr marL="0" indent="0">
-              <a:buNone/>
-            </a:pPr>
-            <a:r>
-              <a:rPr lang="zh-CN" altLang="en-US" sz="7200" dirty="0" smtClean="0"/>
-              <a:t>谢谢</a:t>
-            </a:r>
-            <a:endParaRPr lang="zh-CN" altLang="en-US" sz="7200" dirty="0"/>
-          </a:p>
-        </p:txBody>
-      </p:sp>
-      <p:sp>
-        <p:nvSpPr>
-          <p:cNvPr id="3" name="标题 2"/>
-          <p:cNvSpPr>
-            <a:spLocks noGrp="1"/>
-          </p:cNvSpPr>
-          <p:nvPr>
-            <p:ph type="title"/>
-          </p:nvPr>
-        </p:nvSpPr>
-        <p:spPr/>
-        <p:txBody>
-          <a:bodyPr/>
-          <a:lstStyle/>
-          <a:p>
-            <a:endParaRPr lang="zh-CN" altLang="en-US"/>
-          </a:p>
-        </p:txBody>
-      </p:sp>
-    </p:spTree>
-    <p:extLst>
-      <p:ext uri="{BB962C8B-B14F-4D97-AF65-F5344CB8AC3E}">
-        <p14:creationId xmlns:p14="http://schemas.microsoft.com/office/powerpoint/2010/main" val="2393781850"/>
-      </p:ext>
-    </p:extLst>
-  </p:cSld>
-  <p:clrMapOvr>
-    <a:masterClrMapping/>
-  </p:clrMapOvr>
-  <p:timing>
-    <p:tnLst>
-      <p:par>
-        <p:cTn id="1" dur="indefinite" restart="never" nodeType="tmRoot"/>
-      </p:par>
-    </p:tnLst>
-  </p:timing>
-</p:sld>
-</file>
-
 <file path=ppt/slides/slide3.xml><?xml version="1.0" encoding="utf-8"?>
 <p:sld xmlns:a="http://schemas.openxmlformats.org/drawingml/2006/main" xmlns:r="http://schemas.openxmlformats.org/officeDocument/2006/relationships" xmlns:p="http://schemas.openxmlformats.org/presentationml/2006/main">
   <p:cSld>
@@ -8218,299 +8011,6 @@
 </file>
 
 <file path=ppt/slides/slide4.xml><?xml version="1.0" encoding="utf-8"?>
-<p:sld xmlns:a="http://schemas.openxmlformats.org/drawingml/2006/main" xmlns:r="http://schemas.openxmlformats.org/officeDocument/2006/relationships" xmlns:p="http://schemas.openxmlformats.org/presentationml/2006/main" show="0">
-  <p:cSld>
-    <p:spTree>
-      <p:nvGrpSpPr>
-        <p:cNvPr id="1" name=""/>
-        <p:cNvGrpSpPr/>
-        <p:nvPr/>
-      </p:nvGrpSpPr>
-      <p:grpSpPr>
-        <a:xfrm>
-          <a:off x="0" y="0"/>
-          <a:ext cx="0" cy="0"/>
-          <a:chOff x="0" y="0"/>
-          <a:chExt cx="0" cy="0"/>
-        </a:xfrm>
-      </p:grpSpPr>
-      <p:sp>
-        <p:nvSpPr>
-          <p:cNvPr id="3" name="标题 2"/>
-          <p:cNvSpPr>
-            <a:spLocks noGrp="1"/>
-          </p:cNvSpPr>
-          <p:nvPr>
-            <p:ph type="title"/>
-          </p:nvPr>
-        </p:nvSpPr>
-        <p:spPr/>
-        <p:txBody>
-          <a:bodyPr>
-            <a:normAutofit/>
-          </a:bodyPr>
-          <a:lstStyle/>
-          <a:p>
-            <a:r>
-              <a:rPr lang="zh-CN" altLang="en-US" dirty="0" smtClean="0"/>
-              <a:t>自动化</a:t>
-            </a:r>
-            <a:r>
-              <a:rPr lang="zh-CN" altLang="en-US" dirty="0"/>
-              <a:t>测试</a:t>
-            </a:r>
-            <a:r>
-              <a:rPr lang="zh-CN" altLang="en-US" dirty="0" smtClean="0"/>
-              <a:t>概述</a:t>
-            </a:r>
-            <a:endParaRPr lang="zh-CN" altLang="en-US" dirty="0"/>
-          </a:p>
-        </p:txBody>
-      </p:sp>
-      <p:sp>
-        <p:nvSpPr>
-          <p:cNvPr id="5" name="矩形 4"/>
-          <p:cNvSpPr/>
-          <p:nvPr/>
-        </p:nvSpPr>
-        <p:spPr>
-          <a:xfrm>
-            <a:off x="1979712" y="1196752"/>
-            <a:ext cx="3240360" cy="1080120"/>
-          </a:xfrm>
-          <a:prstGeom prst="rect">
-            <a:avLst/>
-          </a:prstGeom>
-        </p:spPr>
-        <p:style>
-          <a:lnRef idx="2">
-            <a:schemeClr val="accent1">
-              <a:shade val="50000"/>
-            </a:schemeClr>
-          </a:lnRef>
-          <a:fillRef idx="1">
-            <a:schemeClr val="accent1"/>
-          </a:fillRef>
-          <a:effectRef idx="0">
-            <a:schemeClr val="accent1"/>
-          </a:effectRef>
-          <a:fontRef idx="minor">
-            <a:schemeClr val="lt1"/>
-          </a:fontRef>
-        </p:style>
-        <p:txBody>
-          <a:bodyPr rtlCol="0" anchor="ctr"/>
-          <a:lstStyle/>
-          <a:p>
-            <a:pPr algn="ctr"/>
-            <a:r>
-              <a:rPr lang="zh-CN" altLang="en-US" sz="2800"/>
-              <a:t>自动化测试的定义</a:t>
-            </a:r>
-            <a:endParaRPr lang="zh-CN" altLang="en-US" sz="2800" dirty="0"/>
-          </a:p>
-        </p:txBody>
-      </p:sp>
-      <p:sp>
-        <p:nvSpPr>
-          <p:cNvPr id="7" name="矩形 6"/>
-          <p:cNvSpPr/>
-          <p:nvPr/>
-        </p:nvSpPr>
-        <p:spPr>
-          <a:xfrm>
-            <a:off x="2001432" y="3356992"/>
-            <a:ext cx="3218640" cy="1080120"/>
-          </a:xfrm>
-          <a:prstGeom prst="rect">
-            <a:avLst/>
-          </a:prstGeom>
-        </p:spPr>
-        <p:style>
-          <a:lnRef idx="2">
-            <a:schemeClr val="accent1">
-              <a:shade val="50000"/>
-            </a:schemeClr>
-          </a:lnRef>
-          <a:fillRef idx="1">
-            <a:schemeClr val="accent1"/>
-          </a:fillRef>
-          <a:effectRef idx="0">
-            <a:schemeClr val="accent1"/>
-          </a:effectRef>
-          <a:fontRef idx="minor">
-            <a:schemeClr val="lt1"/>
-          </a:fontRef>
-        </p:style>
-        <p:txBody>
-          <a:bodyPr rtlCol="0" anchor="ctr"/>
-          <a:lstStyle/>
-          <a:p>
-            <a:pPr algn="ctr"/>
-            <a:r>
-              <a:rPr lang="zh-CN" altLang="en-US" sz="2800" dirty="0" smtClean="0"/>
-              <a:t>为什么使用自动化测试？</a:t>
-            </a:r>
-          </a:p>
-          <a:p>
-            <a:pPr algn="ctr"/>
-            <a:endParaRPr lang="zh-CN" altLang="en-US" sz="2800" dirty="0"/>
-          </a:p>
-        </p:txBody>
-      </p:sp>
-      <p:sp>
-        <p:nvSpPr>
-          <p:cNvPr id="8" name="矩形 7"/>
-          <p:cNvSpPr/>
-          <p:nvPr/>
-        </p:nvSpPr>
-        <p:spPr>
-          <a:xfrm>
-            <a:off x="1974008" y="5517232"/>
-            <a:ext cx="3218640" cy="1080120"/>
-          </a:xfrm>
-          <a:prstGeom prst="rect">
-            <a:avLst/>
-          </a:prstGeom>
-        </p:spPr>
-        <p:style>
-          <a:lnRef idx="2">
-            <a:schemeClr val="accent1">
-              <a:shade val="50000"/>
-            </a:schemeClr>
-          </a:lnRef>
-          <a:fillRef idx="1">
-            <a:schemeClr val="accent1"/>
-          </a:fillRef>
-          <a:effectRef idx="0">
-            <a:schemeClr val="accent1"/>
-          </a:effectRef>
-          <a:fontRef idx="minor">
-            <a:schemeClr val="lt1"/>
-          </a:fontRef>
-        </p:style>
-        <p:txBody>
-          <a:bodyPr rtlCol="0" anchor="ctr"/>
-          <a:lstStyle/>
-          <a:p>
-            <a:pPr algn="ctr"/>
-            <a:r>
-              <a:rPr lang="zh-CN" altLang="en-US" sz="2800" dirty="0" smtClean="0"/>
-              <a:t>自动化测试的特征</a:t>
-            </a:r>
-            <a:endParaRPr lang="zh-CN" altLang="en-US" sz="2800" dirty="0"/>
-          </a:p>
-        </p:txBody>
-      </p:sp>
-      <p:sp>
-        <p:nvSpPr>
-          <p:cNvPr id="6" name="下箭头 5"/>
-          <p:cNvSpPr/>
-          <p:nvPr/>
-        </p:nvSpPr>
-        <p:spPr>
-          <a:xfrm>
-            <a:off x="3347864" y="2276872"/>
-            <a:ext cx="262888" cy="1080120"/>
-          </a:xfrm>
-          <a:prstGeom prst="downArrow">
-            <a:avLst/>
-          </a:prstGeom>
-        </p:spPr>
-        <p:style>
-          <a:lnRef idx="2">
-            <a:schemeClr val="accent1">
-              <a:shade val="50000"/>
-            </a:schemeClr>
-          </a:lnRef>
-          <a:fillRef idx="1">
-            <a:schemeClr val="accent1"/>
-          </a:fillRef>
-          <a:effectRef idx="0">
-            <a:schemeClr val="accent1"/>
-          </a:effectRef>
-          <a:fontRef idx="minor">
-            <a:schemeClr val="lt1"/>
-          </a:fontRef>
-        </p:style>
-        <p:txBody>
-          <a:bodyPr rtlCol="0" anchor="ctr"/>
-          <a:lstStyle/>
-          <a:p>
-            <a:pPr algn="ctr"/>
-            <a:endParaRPr lang="zh-CN" altLang="en-US"/>
-          </a:p>
-        </p:txBody>
-      </p:sp>
-      <p:sp>
-        <p:nvSpPr>
-          <p:cNvPr id="10" name="下箭头 9"/>
-          <p:cNvSpPr/>
-          <p:nvPr/>
-        </p:nvSpPr>
-        <p:spPr>
-          <a:xfrm>
-            <a:off x="3337004" y="4437112"/>
-            <a:ext cx="262888" cy="1080120"/>
-          </a:xfrm>
-          <a:prstGeom prst="downArrow">
-            <a:avLst/>
-          </a:prstGeom>
-        </p:spPr>
-        <p:style>
-          <a:lnRef idx="2">
-            <a:schemeClr val="accent1">
-              <a:shade val="50000"/>
-            </a:schemeClr>
-          </a:lnRef>
-          <a:fillRef idx="1">
-            <a:schemeClr val="accent1"/>
-          </a:fillRef>
-          <a:effectRef idx="0">
-            <a:schemeClr val="accent1"/>
-          </a:effectRef>
-          <a:fontRef idx="minor">
-            <a:schemeClr val="lt1"/>
-          </a:fontRef>
-        </p:style>
-        <p:txBody>
-          <a:bodyPr rtlCol="0" anchor="ctr"/>
-          <a:lstStyle/>
-          <a:p>
-            <a:pPr algn="ctr"/>
-            <a:endParaRPr lang="zh-CN" altLang="en-US"/>
-          </a:p>
-        </p:txBody>
-      </p:sp>
-    </p:spTree>
-    <p:extLst>
-      <p:ext uri="{BB962C8B-B14F-4D97-AF65-F5344CB8AC3E}">
-        <p14:creationId xmlns:p14="http://schemas.microsoft.com/office/powerpoint/2010/main" val="739324313"/>
-      </p:ext>
-    </p:extLst>
-  </p:cSld>
-  <p:clrMapOvr>
-    <a:masterClrMapping/>
-  </p:clrMapOvr>
-  <mc:AlternateContent xmlns:mc="http://schemas.openxmlformats.org/markup-compatibility/2006" xmlns:p14="http://schemas.microsoft.com/office/powerpoint/2010/main">
-    <mc:Choice Requires="p14">
-      <p:transition spd="slow" p14:dur="2000"/>
-    </mc:Choice>
-    <mc:Fallback xmlns="">
-      <p:transition spd="slow"/>
-    </mc:Fallback>
-  </mc:AlternateContent>
-  <p:timing>
-    <p:tnLst>
-      <p:par>
-        <p:cTn id="1" dur="indefinite" restart="never" nodeType="tmRoot"/>
-      </p:par>
-    </p:tnLst>
-  </p:timing>
-</p:sld>
-</file>
-
-<file path=ppt/slides/slide5.xml><?xml version="1.0" encoding="utf-8"?>
 <p:sld xmlns:a="http://schemas.openxmlformats.org/drawingml/2006/main" xmlns:r="http://schemas.openxmlformats.org/officeDocument/2006/relationships" xmlns:p="http://schemas.openxmlformats.org/presentationml/2006/main">
   <p:cSld>
     <p:spTree>
@@ -8968,7 +8468,7 @@
 </p:sld>
 </file>
 
-<file path=ppt/slides/slide6.xml><?xml version="1.0" encoding="utf-8"?>
+<file path=ppt/slides/slide5.xml><?xml version="1.0" encoding="utf-8"?>
 <p:sld xmlns:a="http://schemas.openxmlformats.org/drawingml/2006/main" xmlns:r="http://schemas.openxmlformats.org/officeDocument/2006/relationships" xmlns:p="http://schemas.openxmlformats.org/presentationml/2006/main">
   <p:cSld>
     <p:spTree>
@@ -9747,7 +9247,7 @@
 </p:sld>
 </file>
 
-<file path=ppt/slides/slide7.xml><?xml version="1.0" encoding="utf-8"?>
+<file path=ppt/slides/slide6.xml><?xml version="1.0" encoding="utf-8"?>
 <p:sld xmlns:a="http://schemas.openxmlformats.org/drawingml/2006/main" xmlns:r="http://schemas.openxmlformats.org/officeDocument/2006/relationships" xmlns:p="http://schemas.openxmlformats.org/presentationml/2006/main">
   <p:cSld>
     <p:spTree>
@@ -10801,7 +10301,7 @@
 </p:sld>
 </file>
 
-<file path=ppt/slides/slide8.xml><?xml version="1.0" encoding="utf-8"?>
+<file path=ppt/slides/slide7.xml><?xml version="1.0" encoding="utf-8"?>
 <p:sld xmlns:a="http://schemas.openxmlformats.org/drawingml/2006/main" xmlns:r="http://schemas.openxmlformats.org/officeDocument/2006/relationships" xmlns:p="http://schemas.openxmlformats.org/presentationml/2006/main">
   <p:cSld>
     <p:spTree>
@@ -10955,6 +10455,151 @@
 </p:sld>
 </file>
 
+<file path=ppt/slides/slide8.xml><?xml version="1.0" encoding="utf-8"?>
+<p:sld xmlns:a="http://schemas.openxmlformats.org/drawingml/2006/main" xmlns:r="http://schemas.openxmlformats.org/officeDocument/2006/relationships" xmlns:p="http://schemas.openxmlformats.org/presentationml/2006/main">
+  <p:cSld>
+    <p:spTree>
+      <p:nvGrpSpPr>
+        <p:cNvPr id="1" name=""/>
+        <p:cNvGrpSpPr/>
+        <p:nvPr/>
+      </p:nvGrpSpPr>
+      <p:grpSpPr>
+        <a:xfrm>
+          <a:off x="0" y="0"/>
+          <a:ext cx="0" cy="0"/>
+          <a:chOff x="0" y="0"/>
+          <a:chExt cx="0" cy="0"/>
+        </a:xfrm>
+      </p:grpSpPr>
+      <p:sp>
+        <p:nvSpPr>
+          <p:cNvPr id="2" name="内容占位符 1"/>
+          <p:cNvSpPr>
+            <a:spLocks noGrp="1"/>
+          </p:cNvSpPr>
+          <p:nvPr>
+            <p:ph idx="1"/>
+          </p:nvPr>
+        </p:nvSpPr>
+        <p:spPr/>
+        <p:txBody>
+          <a:bodyPr/>
+          <a:lstStyle/>
+          <a:p>
+            <a:r>
+              <a:rPr lang="zh-CN" altLang="en-US" dirty="0" smtClean="0"/>
+              <a:t>自动化测试适用场合</a:t>
+            </a:r>
+            <a:endParaRPr lang="en-US" altLang="zh-CN" dirty="0" smtClean="0"/>
+          </a:p>
+          <a:p>
+            <a:pPr lvl="1"/>
+            <a:r>
+              <a:rPr lang="zh-CN" altLang="en-US" dirty="0" smtClean="0"/>
+              <a:t>回归测试</a:t>
+            </a:r>
+            <a:endParaRPr lang="en-US" altLang="zh-CN" dirty="0" smtClean="0"/>
+          </a:p>
+          <a:p>
+            <a:pPr lvl="1"/>
+            <a:r>
+              <a:rPr lang="zh-CN" altLang="en-US" dirty="0" smtClean="0"/>
+              <a:t>更多更频繁的测试</a:t>
+            </a:r>
+            <a:endParaRPr lang="en-US" altLang="zh-CN" dirty="0" smtClean="0"/>
+          </a:p>
+          <a:p>
+            <a:pPr lvl="1"/>
+            <a:r>
+              <a:rPr lang="zh-CN" altLang="en-US" dirty="0" smtClean="0"/>
+              <a:t>跨平台的测试</a:t>
+            </a:r>
+            <a:endParaRPr lang="en-US" altLang="zh-CN" dirty="0" smtClean="0"/>
+          </a:p>
+          <a:p>
+            <a:pPr lvl="1"/>
+            <a:r>
+              <a:rPr lang="zh-CN" altLang="en-US" dirty="0" smtClean="0"/>
+              <a:t>重复性的测试</a:t>
+            </a:r>
+            <a:endParaRPr lang="en-US" altLang="zh-CN" dirty="0" smtClean="0"/>
+          </a:p>
+          <a:p>
+            <a:pPr lvl="1"/>
+            <a:r>
+              <a:rPr lang="zh-CN" altLang="en-US" dirty="0" smtClean="0"/>
+              <a:t>手工测试无法实现的工作</a:t>
+            </a:r>
+            <a:endParaRPr lang="en-US" altLang="zh-CN" dirty="0" smtClean="0"/>
+          </a:p>
+          <a:p>
+            <a:pPr lvl="1"/>
+            <a:r>
+              <a:rPr lang="zh-CN" altLang="en-US" dirty="0" smtClean="0"/>
+              <a:t>测试过程和验证点比较稳定</a:t>
+            </a:r>
+            <a:endParaRPr lang="en-US" altLang="zh-CN" dirty="0" smtClean="0"/>
+          </a:p>
+          <a:p>
+            <a:pPr lvl="1"/>
+            <a:endParaRPr lang="en-US" altLang="zh-CN" dirty="0" smtClean="0"/>
+          </a:p>
+          <a:p>
+            <a:endParaRPr lang="en-US" altLang="zh-CN" dirty="0" smtClean="0"/>
+          </a:p>
+          <a:p>
+            <a:endParaRPr lang="zh-CN" altLang="en-US" dirty="0"/>
+          </a:p>
+        </p:txBody>
+      </p:sp>
+      <p:sp>
+        <p:nvSpPr>
+          <p:cNvPr id="3" name="标题 2"/>
+          <p:cNvSpPr>
+            <a:spLocks noGrp="1"/>
+          </p:cNvSpPr>
+          <p:nvPr>
+            <p:ph type="title"/>
+          </p:nvPr>
+        </p:nvSpPr>
+        <p:spPr/>
+        <p:txBody>
+          <a:bodyPr/>
+          <a:lstStyle/>
+          <a:p>
+            <a:r>
+              <a:rPr lang="en-US" altLang="zh-CN" smtClean="0"/>
+              <a:t> </a:t>
+            </a:r>
+            <a:r>
+              <a:rPr lang="zh-CN" altLang="en-US" smtClean="0"/>
+              <a:t>自动化测试概述</a:t>
+            </a:r>
+            <a:endParaRPr lang="zh-CN" altLang="en-US" dirty="0"/>
+          </a:p>
+        </p:txBody>
+      </p:sp>
+    </p:spTree>
+    <p:extLst>
+      <p:ext uri="{BB962C8B-B14F-4D97-AF65-F5344CB8AC3E}">
+        <p14:creationId xmlns:p14="http://schemas.microsoft.com/office/powerpoint/2010/main" val="1670148762"/>
+      </p:ext>
+    </p:extLst>
+  </p:cSld>
+  <p:clrMapOvr>
+    <a:masterClrMapping/>
+  </p:clrMapOvr>
+  <p:timing>
+    <p:tnLst>
+      <p:par>
+        <p:cTn id="1" dur="indefinite" restart="never" nodeType="tmRoot"/>
+      </p:par>
+    </p:tnLst>
+  </p:timing>
+</p:sld>
+</file>
+
 <file path=ppt/slides/slide9.xml><?xml version="1.0" encoding="utf-8"?>
 <p:sld xmlns:a="http://schemas.openxmlformats.org/drawingml/2006/main" xmlns:r="http://schemas.openxmlformats.org/officeDocument/2006/relationships" xmlns:p="http://schemas.openxmlformats.org/presentationml/2006/main">
   <p:cSld>
@@ -10989,7 +10634,7 @@
           <a:p>
             <a:r>
               <a:rPr lang="zh-CN" altLang="en-US" dirty="0" smtClean="0"/>
-              <a:t>自动化测试适用场合</a:t>
+              <a:t>自动化测试不适合的场合</a:t>
             </a:r>
             <a:endParaRPr lang="en-US" altLang="zh-CN" dirty="0" smtClean="0"/>
           </a:p>
@@ -10997,7 +10642,7 @@
             <a:pPr lvl="1"/>
             <a:r>
               <a:rPr lang="zh-CN" altLang="en-US" dirty="0" smtClean="0"/>
-              <a:t>回归测试</a:t>
+              <a:t>随机性测试</a:t>
             </a:r>
             <a:endParaRPr lang="en-US" altLang="zh-CN" dirty="0" smtClean="0"/>
           </a:p>
@@ -11005,7 +10650,7 @@
             <a:pPr lvl="1"/>
             <a:r>
               <a:rPr lang="zh-CN" altLang="en-US" dirty="0" smtClean="0"/>
-              <a:t>更多更频繁的测试</a:t>
+              <a:t>时间短的项目</a:t>
             </a:r>
             <a:endParaRPr lang="en-US" altLang="zh-CN" dirty="0" smtClean="0"/>
           </a:p>
@@ -11013,7 +10658,7 @@
             <a:pPr lvl="1"/>
             <a:r>
               <a:rPr lang="zh-CN" altLang="en-US" dirty="0" smtClean="0"/>
-              <a:t>跨平台的测试</a:t>
+              <a:t>需求变化多的项目，软件版本不稳定</a:t>
             </a:r>
             <a:endParaRPr lang="en-US" altLang="zh-CN" dirty="0" smtClean="0"/>
           </a:p>
@@ -11021,41 +10666,18 @@
             <a:pPr lvl="1"/>
             <a:r>
               <a:rPr lang="zh-CN" altLang="en-US" dirty="0" smtClean="0"/>
-              <a:t>重复性的测试</a:t>
+              <a:t>涉及与物理设备交互的测试</a:t>
             </a:r>
             <a:endParaRPr lang="en-US" altLang="zh-CN" dirty="0" smtClean="0"/>
           </a:p>
           <a:p>
-            <a:pPr lvl="1"/>
-            <a:r>
-              <a:rPr lang="zh-CN" altLang="en-US" dirty="0" smtClean="0"/>
-              <a:t>手工测试无法实现的工作</a:t>
-            </a:r>
-            <a:endParaRPr lang="en-US" altLang="zh-CN" dirty="0" smtClean="0"/>
-          </a:p>
-          <a:p>
-            <a:pPr lvl="1"/>
-            <a:r>
-              <a:rPr lang="zh-CN" altLang="en-US" dirty="0" smtClean="0"/>
-              <a:t>测试过程和验证点比较稳定</a:t>
-            </a:r>
-            <a:endParaRPr lang="en-US" altLang="zh-CN" dirty="0" smtClean="0"/>
-          </a:p>
-          <a:p>
-            <a:pPr lvl="1"/>
-            <a:endParaRPr lang="en-US" altLang="zh-CN" dirty="0" smtClean="0"/>
-          </a:p>
-          <a:p>
-            <a:endParaRPr lang="en-US" altLang="zh-CN" dirty="0" smtClean="0"/>
-          </a:p>
-          <a:p>
             <a:endParaRPr lang="zh-CN" altLang="en-US" dirty="0"/>
           </a:p>
         </p:txBody>
       </p:sp>
       <p:sp>
         <p:nvSpPr>
-          <p:cNvPr id="3" name="标题 2"/>
+          <p:cNvPr id="5" name="标题 2"/>
           <p:cNvSpPr>
             <a:spLocks noGrp="1"/>
           </p:cNvSpPr>
@@ -11083,7 +10705,7 @@
     </p:spTree>
     <p:extLst>
       <p:ext uri="{BB962C8B-B14F-4D97-AF65-F5344CB8AC3E}">
-        <p14:creationId xmlns:p14="http://schemas.microsoft.com/office/powerpoint/2010/main" val="1670148762"/>
+        <p14:creationId xmlns:p14="http://schemas.microsoft.com/office/powerpoint/2010/main" val="2089596479"/>
       </p:ext>
     </p:extLst>
   </p:cSld>

--- a/PPT/01 Base of Autotest.pptx
+++ b/PPT/01 Base of Autotest.pptx
@@ -10,8 +10,8 @@
   <p:sldIdLst>
     <p:sldId id="260" r:id="rId2"/>
     <p:sldId id="261" r:id="rId3"/>
-    <p:sldId id="286" r:id="rId4"/>
-    <p:sldId id="270" r:id="rId5"/>
+    <p:sldId id="270" r:id="rId4"/>
+    <p:sldId id="286" r:id="rId5"/>
     <p:sldId id="269" r:id="rId6"/>
     <p:sldId id="271" r:id="rId7"/>
     <p:sldId id="272" r:id="rId8"/>
@@ -127,7 +127,7 @@
   </p:defaultTextStyle>
   <p:extLst>
     <p:ext uri="{EFAFB233-063F-42B5-8137-9DF3F51BA10A}">
-      <p15:sldGuideLst xmlns="" xmlns:p15="http://schemas.microsoft.com/office/powerpoint/2012/main">
+      <p15:sldGuideLst xmlns:p15="http://schemas.microsoft.com/office/powerpoint/2012/main" xmlns="">
         <p15:guide id="1" orient="horz" pos="2160">
           <p15:clr>
             <a:srgbClr val="A4A3A4"/>
@@ -811,7 +811,7 @@
           <a:p>
             <a:fld id="{46A49F1E-FCFC-4294-BD1A-5F44A2F8C2ED}" type="slidenum">
               <a:rPr lang="zh-CN" altLang="en-US" smtClean="0"/>
-              <a:t>4</a:t>
+              <a:t>3</a:t>
             </a:fld>
             <a:endParaRPr lang="zh-CN" altLang="en-US"/>
           </a:p>
@@ -7923,77 +7923,428 @@
       </p:grpSpPr>
       <p:sp>
         <p:nvSpPr>
-          <p:cNvPr id="2" name="内容占位符 1"/>
+          <p:cNvPr id="3" name="标题 2"/>
           <p:cNvSpPr>
             <a:spLocks noGrp="1"/>
           </p:cNvSpPr>
           <p:nvPr>
-            <p:ph idx="1"/>
+            <p:ph type="title"/>
           </p:nvPr>
         </p:nvSpPr>
         <p:spPr/>
         <p:txBody>
-          <a:bodyPr/>
+          <a:bodyPr>
+            <a:normAutofit/>
+          </a:bodyPr>
           <a:lstStyle/>
           <a:p>
             <a:r>
+              <a:rPr lang="zh-CN" altLang="en-US" dirty="0" smtClean="0"/>
+              <a:t>自动化</a:t>
+            </a:r>
+            <a:r>
               <a:rPr lang="zh-CN" altLang="en-US" dirty="0"/>
+              <a:t>测试</a:t>
+            </a:r>
+            <a:r>
+              <a:rPr lang="zh-CN" altLang="en-US" dirty="0" smtClean="0"/>
+              <a:t>概述</a:t>
+            </a:r>
+            <a:endParaRPr lang="zh-CN" altLang="en-US" dirty="0"/>
+          </a:p>
+        </p:txBody>
+      </p:sp>
+      <p:sp>
+        <p:nvSpPr>
+          <p:cNvPr id="2" name="椭圆 1"/>
+          <p:cNvSpPr/>
+          <p:nvPr/>
+        </p:nvSpPr>
+        <p:spPr>
+          <a:xfrm>
+            <a:off x="251520" y="1196752"/>
+            <a:ext cx="2736304" cy="1656184"/>
+          </a:xfrm>
+          <a:prstGeom prst="ellipse">
+            <a:avLst/>
+          </a:prstGeom>
+        </p:spPr>
+        <p:style>
+          <a:lnRef idx="2">
+            <a:schemeClr val="accent1">
+              <a:shade val="50000"/>
+            </a:schemeClr>
+          </a:lnRef>
+          <a:fillRef idx="1">
+            <a:schemeClr val="accent1"/>
+          </a:fillRef>
+          <a:effectRef idx="0">
+            <a:schemeClr val="accent1"/>
+          </a:effectRef>
+          <a:fontRef idx="minor">
+            <a:schemeClr val="lt1"/>
+          </a:fontRef>
+        </p:style>
+        <p:txBody>
+          <a:bodyPr rtlCol="0" anchor="ctr"/>
+          <a:lstStyle/>
+          <a:p>
+            <a:pPr algn="ctr"/>
+            <a:r>
+              <a:rPr lang="zh-CN" altLang="en-US" sz="3600" dirty="0" smtClean="0"/>
+              <a:t>手工</a:t>
+            </a:r>
+            <a:endParaRPr lang="en-US" altLang="zh-CN" sz="3600" dirty="0" smtClean="0"/>
+          </a:p>
+          <a:p>
+            <a:pPr algn="ctr"/>
+            <a:r>
+              <a:rPr lang="zh-CN" altLang="en-US" sz="3600" dirty="0" smtClean="0"/>
+              <a:t>测试</a:t>
+            </a:r>
+            <a:endParaRPr lang="zh-CN" altLang="en-US" sz="3600" dirty="0"/>
+          </a:p>
+        </p:txBody>
+      </p:sp>
+      <p:sp>
+        <p:nvSpPr>
+          <p:cNvPr id="5" name="椭圆 4"/>
+          <p:cNvSpPr/>
+          <p:nvPr/>
+        </p:nvSpPr>
+        <p:spPr>
+          <a:xfrm>
+            <a:off x="1619672" y="4545124"/>
+            <a:ext cx="2736304" cy="1656184"/>
+          </a:xfrm>
+          <a:prstGeom prst="ellipse">
+            <a:avLst/>
+          </a:prstGeom>
+        </p:spPr>
+        <p:style>
+          <a:lnRef idx="2">
+            <a:schemeClr val="accent1">
+              <a:shade val="50000"/>
+            </a:schemeClr>
+          </a:lnRef>
+          <a:fillRef idx="1">
+            <a:schemeClr val="accent1"/>
+          </a:fillRef>
+          <a:effectRef idx="0">
+            <a:schemeClr val="accent1"/>
+          </a:effectRef>
+          <a:fontRef idx="minor">
+            <a:schemeClr val="lt1"/>
+          </a:fontRef>
+        </p:style>
+        <p:txBody>
+          <a:bodyPr rtlCol="0" anchor="ctr"/>
+          <a:lstStyle/>
+          <a:p>
+            <a:pPr algn="ctr"/>
+            <a:r>
+              <a:rPr lang="zh-CN" altLang="en-US" sz="3600" dirty="0" smtClean="0"/>
+              <a:t>自动化测试</a:t>
+            </a:r>
+            <a:endParaRPr lang="zh-CN" altLang="en-US" sz="3600" dirty="0"/>
+          </a:p>
+        </p:txBody>
+      </p:sp>
+      <p:sp>
+        <p:nvSpPr>
+          <p:cNvPr id="6" name="TextBox 5"/>
+          <p:cNvSpPr txBox="1"/>
+          <p:nvPr/>
+        </p:nvSpPr>
+        <p:spPr>
+          <a:xfrm>
+            <a:off x="1619672" y="3360767"/>
+            <a:ext cx="1800200" cy="1015663"/>
+          </a:xfrm>
+          <a:prstGeom prst="rect">
+            <a:avLst/>
+          </a:prstGeom>
+          <a:noFill/>
+        </p:spPr>
+        <p:txBody>
+          <a:bodyPr wrap="square" rtlCol="0">
+            <a:spAutoFit/>
+          </a:bodyPr>
+          <a:lstStyle/>
+          <a:p>
+            <a:r>
+              <a:rPr lang="en-US" altLang="zh-CN" sz="6000" dirty="0" err="1" smtClean="0"/>
+              <a:t>VS</a:t>
+            </a:r>
+            <a:endParaRPr lang="zh-CN" altLang="en-US" sz="6000" dirty="0"/>
+          </a:p>
+        </p:txBody>
+      </p:sp>
+      <p:sp>
+        <p:nvSpPr>
+          <p:cNvPr id="8" name="矩形 7"/>
+          <p:cNvSpPr/>
+          <p:nvPr/>
+        </p:nvSpPr>
+        <p:spPr>
+          <a:xfrm>
+            <a:off x="5508104" y="944724"/>
+            <a:ext cx="3240360" cy="1080120"/>
+          </a:xfrm>
+          <a:prstGeom prst="rect">
+            <a:avLst/>
+          </a:prstGeom>
+        </p:spPr>
+        <p:style>
+          <a:lnRef idx="2">
+            <a:schemeClr val="accent1">
+              <a:shade val="50000"/>
+            </a:schemeClr>
+          </a:lnRef>
+          <a:fillRef idx="1">
+            <a:schemeClr val="accent1"/>
+          </a:fillRef>
+          <a:effectRef idx="0">
+            <a:schemeClr val="accent1"/>
+          </a:effectRef>
+          <a:fontRef idx="minor">
+            <a:schemeClr val="lt1"/>
+          </a:fontRef>
+        </p:style>
+        <p:txBody>
+          <a:bodyPr rtlCol="0" anchor="ctr"/>
+          <a:lstStyle/>
+          <a:p>
+            <a:pPr algn="ctr"/>
+            <a:r>
+              <a:rPr lang="zh-CN" altLang="en-US" sz="2800" dirty="0"/>
               <a:t>自动化测试的</a:t>
             </a:r>
             <a:r>
-              <a:rPr lang="zh-CN" altLang="en-US" dirty="0">
-                <a:solidFill>
-                  <a:srgbClr val="FF0000"/>
-                </a:solidFill>
-              </a:rPr>
+              <a:rPr lang="zh-CN" altLang="en-US" sz="2800" dirty="0" smtClean="0"/>
               <a:t>定义</a:t>
             </a:r>
-            <a:endParaRPr lang="en-US" altLang="zh-CN" dirty="0">
-              <a:solidFill>
-                <a:srgbClr val="FF0000"/>
-              </a:solidFill>
-            </a:endParaRPr>
-          </a:p>
-          <a:p>
-            <a:pPr lvl="1"/>
-            <a:r>
-              <a:rPr lang="zh-CN" altLang="en-US" dirty="0"/>
-              <a:t>自动化测试是借助于测试工具、测试规范，从局部或全部代替人工进行测试及提高测试效率的过程。</a:t>
-            </a:r>
-            <a:endParaRPr lang="en-US" altLang="zh-CN" dirty="0"/>
-          </a:p>
-          <a:p>
-            <a:endParaRPr lang="zh-CN" altLang="en-US" dirty="0"/>
-          </a:p>
-        </p:txBody>
-      </p:sp>
-      <p:sp>
-        <p:nvSpPr>
-          <p:cNvPr id="3" name="标题 2"/>
-          <p:cNvSpPr>
-            <a:spLocks noGrp="1"/>
-          </p:cNvSpPr>
-          <p:nvPr>
-            <p:ph type="title"/>
-          </p:nvPr>
-        </p:nvSpPr>
-        <p:spPr/>
-        <p:txBody>
-          <a:bodyPr/>
+            <a:endParaRPr lang="zh-CN" altLang="en-US" sz="2800" dirty="0"/>
+          </a:p>
+        </p:txBody>
+      </p:sp>
+      <p:sp>
+        <p:nvSpPr>
+          <p:cNvPr id="9" name="矩形 8"/>
+          <p:cNvSpPr/>
+          <p:nvPr/>
+        </p:nvSpPr>
+        <p:spPr>
+          <a:xfrm>
+            <a:off x="5529824" y="3104964"/>
+            <a:ext cx="3218640" cy="1080120"/>
+          </a:xfrm>
+          <a:prstGeom prst="rect">
+            <a:avLst/>
+          </a:prstGeom>
+        </p:spPr>
+        <p:style>
+          <a:lnRef idx="2">
+            <a:schemeClr val="accent1">
+              <a:shade val="50000"/>
+            </a:schemeClr>
+          </a:lnRef>
+          <a:fillRef idx="1">
+            <a:schemeClr val="accent1"/>
+          </a:fillRef>
+          <a:effectRef idx="0">
+            <a:schemeClr val="accent1"/>
+          </a:effectRef>
+          <a:fontRef idx="minor">
+            <a:schemeClr val="lt1"/>
+          </a:fontRef>
+        </p:style>
+        <p:txBody>
+          <a:bodyPr rtlCol="0" anchor="ctr"/>
           <a:lstStyle/>
           <a:p>
-            <a:r>
-              <a:rPr lang="zh-CN" altLang="en-US" dirty="0" smtClean="0"/>
-              <a:t>自动化测试概述</a:t>
-            </a:r>
-            <a:endParaRPr lang="zh-CN" altLang="en-US" dirty="0"/>
+            <a:pPr algn="ctr"/>
+            <a:r>
+              <a:rPr lang="zh-CN" altLang="en-US" sz="2800" dirty="0"/>
+              <a:t>为什么使用自动化测试？</a:t>
+            </a:r>
+          </a:p>
+        </p:txBody>
+      </p:sp>
+      <p:sp>
+        <p:nvSpPr>
+          <p:cNvPr id="10" name="矩形 9"/>
+          <p:cNvSpPr/>
+          <p:nvPr/>
+        </p:nvSpPr>
+        <p:spPr>
+          <a:xfrm>
+            <a:off x="5436096" y="5265204"/>
+            <a:ext cx="3218640" cy="1080120"/>
+          </a:xfrm>
+          <a:prstGeom prst="rect">
+            <a:avLst/>
+          </a:prstGeom>
+        </p:spPr>
+        <p:style>
+          <a:lnRef idx="2">
+            <a:schemeClr val="accent1">
+              <a:shade val="50000"/>
+            </a:schemeClr>
+          </a:lnRef>
+          <a:fillRef idx="1">
+            <a:schemeClr val="accent1"/>
+          </a:fillRef>
+          <a:effectRef idx="0">
+            <a:schemeClr val="accent1"/>
+          </a:effectRef>
+          <a:fontRef idx="minor">
+            <a:schemeClr val="lt1"/>
+          </a:fontRef>
+        </p:style>
+        <p:txBody>
+          <a:bodyPr rtlCol="0" anchor="ctr"/>
+          <a:lstStyle/>
+          <a:p>
+            <a:pPr algn="ctr"/>
+            <a:r>
+              <a:rPr lang="zh-CN" altLang="en-US" sz="2800" dirty="0" smtClean="0"/>
+              <a:t>自动化测试的特征</a:t>
+            </a:r>
+            <a:endParaRPr lang="zh-CN" altLang="en-US" sz="2800" dirty="0"/>
+          </a:p>
+        </p:txBody>
+      </p:sp>
+      <p:sp>
+        <p:nvSpPr>
+          <p:cNvPr id="11" name="下箭头 10"/>
+          <p:cNvSpPr/>
+          <p:nvPr/>
+        </p:nvSpPr>
+        <p:spPr>
+          <a:xfrm>
+            <a:off x="6876256" y="2024844"/>
+            <a:ext cx="262888" cy="1080120"/>
+          </a:xfrm>
+          <a:prstGeom prst="downArrow">
+            <a:avLst/>
+          </a:prstGeom>
+        </p:spPr>
+        <p:style>
+          <a:lnRef idx="2">
+            <a:schemeClr val="accent1">
+              <a:shade val="50000"/>
+            </a:schemeClr>
+          </a:lnRef>
+          <a:fillRef idx="1">
+            <a:schemeClr val="accent1"/>
+          </a:fillRef>
+          <a:effectRef idx="0">
+            <a:schemeClr val="accent1"/>
+          </a:effectRef>
+          <a:fontRef idx="minor">
+            <a:schemeClr val="lt1"/>
+          </a:fontRef>
+        </p:style>
+        <p:txBody>
+          <a:bodyPr rtlCol="0" anchor="ctr"/>
+          <a:lstStyle/>
+          <a:p>
+            <a:pPr algn="ctr"/>
+            <a:endParaRPr lang="zh-CN" altLang="en-US"/>
+          </a:p>
+        </p:txBody>
+      </p:sp>
+      <p:sp>
+        <p:nvSpPr>
+          <p:cNvPr id="12" name="下箭头 11"/>
+          <p:cNvSpPr/>
+          <p:nvPr/>
+        </p:nvSpPr>
+        <p:spPr>
+          <a:xfrm>
+            <a:off x="6865396" y="4185084"/>
+            <a:ext cx="262888" cy="1080120"/>
+          </a:xfrm>
+          <a:prstGeom prst="downArrow">
+            <a:avLst/>
+          </a:prstGeom>
+        </p:spPr>
+        <p:style>
+          <a:lnRef idx="2">
+            <a:schemeClr val="accent1">
+              <a:shade val="50000"/>
+            </a:schemeClr>
+          </a:lnRef>
+          <a:fillRef idx="1">
+            <a:schemeClr val="accent1"/>
+          </a:fillRef>
+          <a:effectRef idx="0">
+            <a:schemeClr val="accent1"/>
+          </a:effectRef>
+          <a:fontRef idx="minor">
+            <a:schemeClr val="lt1"/>
+          </a:fontRef>
+        </p:style>
+        <p:txBody>
+          <a:bodyPr rtlCol="0" anchor="ctr"/>
+          <a:lstStyle/>
+          <a:p>
+            <a:pPr algn="ctr"/>
+            <a:endParaRPr lang="zh-CN" altLang="en-US"/>
+          </a:p>
+        </p:txBody>
+      </p:sp>
+      <p:sp>
+        <p:nvSpPr>
+          <p:cNvPr id="7" name="圆角矩形 6"/>
+          <p:cNvSpPr/>
+          <p:nvPr/>
+        </p:nvSpPr>
+        <p:spPr>
+          <a:xfrm>
+            <a:off x="5292080" y="836712"/>
+            <a:ext cx="3744416" cy="1368152"/>
+          </a:xfrm>
+          <a:prstGeom prst="roundRect">
+            <a:avLst/>
+          </a:prstGeom>
+          <a:noFill/>
+          <a:ln>
+            <a:solidFill>
+              <a:srgbClr val="FF0000"/>
+            </a:solidFill>
+          </a:ln>
+        </p:spPr>
+        <p:style>
+          <a:lnRef idx="2">
+            <a:schemeClr val="accent1">
+              <a:shade val="50000"/>
+            </a:schemeClr>
+          </a:lnRef>
+          <a:fillRef idx="1">
+            <a:schemeClr val="accent1"/>
+          </a:fillRef>
+          <a:effectRef idx="0">
+            <a:schemeClr val="accent1"/>
+          </a:effectRef>
+          <a:fontRef idx="minor">
+            <a:schemeClr val="lt1"/>
+          </a:fontRef>
+        </p:style>
+        <p:txBody>
+          <a:bodyPr rtlCol="0" anchor="ctr"/>
+          <a:lstStyle/>
+          <a:p>
+            <a:pPr algn="ctr"/>
+            <a:endParaRPr lang="zh-CN" altLang="en-US"/>
           </a:p>
         </p:txBody>
       </p:sp>
     </p:spTree>
     <p:extLst>
       <p:ext uri="{BB962C8B-B14F-4D97-AF65-F5344CB8AC3E}">
-        <p14:creationId xmlns:p14="http://schemas.microsoft.com/office/powerpoint/2010/main" val="4131941123"/>
+        <p14:creationId xmlns:p14="http://schemas.microsoft.com/office/powerpoint/2010/main" val="621080357"/>
       </p:ext>
     </p:extLst>
   </p:cSld>
@@ -8029,6 +8380,52 @@
       </p:grpSpPr>
       <p:sp>
         <p:nvSpPr>
+          <p:cNvPr id="2" name="内容占位符 1"/>
+          <p:cNvSpPr>
+            <a:spLocks noGrp="1"/>
+          </p:cNvSpPr>
+          <p:nvPr>
+            <p:ph idx="1"/>
+          </p:nvPr>
+        </p:nvSpPr>
+        <p:spPr/>
+        <p:txBody>
+          <a:bodyPr/>
+          <a:lstStyle/>
+          <a:p>
+            <a:r>
+              <a:rPr lang="zh-CN" altLang="en-US" dirty="0"/>
+              <a:t>自动化测试的</a:t>
+            </a:r>
+            <a:r>
+              <a:rPr lang="zh-CN" altLang="en-US" dirty="0">
+                <a:solidFill>
+                  <a:srgbClr val="FF0000"/>
+                </a:solidFill>
+              </a:rPr>
+              <a:t>定义</a:t>
+            </a:r>
+            <a:endParaRPr lang="en-US" altLang="zh-CN" dirty="0">
+              <a:solidFill>
+                <a:srgbClr val="FF0000"/>
+              </a:solidFill>
+            </a:endParaRPr>
+          </a:p>
+          <a:p>
+            <a:pPr lvl="1"/>
+            <a:r>
+              <a:rPr lang="zh-CN" altLang="en-US" dirty="0"/>
+              <a:t>自动化测试是借助于测试工具、测试规范，从局部或全部代替人工进行测试及提高测试效率的过程。</a:t>
+            </a:r>
+            <a:endParaRPr lang="en-US" altLang="zh-CN" dirty="0"/>
+          </a:p>
+          <a:p>
+            <a:endParaRPr lang="zh-CN" altLang="en-US" dirty="0"/>
+          </a:p>
+        </p:txBody>
+      </p:sp>
+      <p:sp>
+        <p:nvSpPr>
           <p:cNvPr id="3" name="标题 2"/>
           <p:cNvSpPr>
             <a:spLocks noGrp="1"/>
@@ -8039,419 +8436,21 @@
         </p:nvSpPr>
         <p:spPr/>
         <p:txBody>
-          <a:bodyPr>
-            <a:normAutofit/>
-          </a:bodyPr>
+          <a:bodyPr/>
           <a:lstStyle/>
           <a:p>
             <a:r>
               <a:rPr lang="zh-CN" altLang="en-US" dirty="0" smtClean="0"/>
-              <a:t>自动化</a:t>
-            </a:r>
-            <a:r>
-              <a:rPr lang="zh-CN" altLang="en-US" dirty="0"/>
-              <a:t>测试</a:t>
-            </a:r>
-            <a:r>
-              <a:rPr lang="zh-CN" altLang="en-US" dirty="0" smtClean="0"/>
-              <a:t>概述</a:t>
+              <a:t>自动化测试概述</a:t>
             </a:r>
             <a:endParaRPr lang="zh-CN" altLang="en-US" dirty="0"/>
-          </a:p>
-        </p:txBody>
-      </p:sp>
-      <p:sp>
-        <p:nvSpPr>
-          <p:cNvPr id="2" name="椭圆 1"/>
-          <p:cNvSpPr/>
-          <p:nvPr/>
-        </p:nvSpPr>
-        <p:spPr>
-          <a:xfrm>
-            <a:off x="251520" y="1196752"/>
-            <a:ext cx="2736304" cy="1656184"/>
-          </a:xfrm>
-          <a:prstGeom prst="ellipse">
-            <a:avLst/>
-          </a:prstGeom>
-        </p:spPr>
-        <p:style>
-          <a:lnRef idx="2">
-            <a:schemeClr val="accent1">
-              <a:shade val="50000"/>
-            </a:schemeClr>
-          </a:lnRef>
-          <a:fillRef idx="1">
-            <a:schemeClr val="accent1"/>
-          </a:fillRef>
-          <a:effectRef idx="0">
-            <a:schemeClr val="accent1"/>
-          </a:effectRef>
-          <a:fontRef idx="minor">
-            <a:schemeClr val="lt1"/>
-          </a:fontRef>
-        </p:style>
-        <p:txBody>
-          <a:bodyPr rtlCol="0" anchor="ctr"/>
-          <a:lstStyle/>
-          <a:p>
-            <a:pPr algn="ctr"/>
-            <a:r>
-              <a:rPr lang="zh-CN" altLang="en-US" sz="3600" dirty="0" smtClean="0"/>
-              <a:t>手工</a:t>
-            </a:r>
-            <a:endParaRPr lang="en-US" altLang="zh-CN" sz="3600" dirty="0" smtClean="0"/>
-          </a:p>
-          <a:p>
-            <a:pPr algn="ctr"/>
-            <a:r>
-              <a:rPr lang="zh-CN" altLang="en-US" sz="3600" dirty="0" smtClean="0"/>
-              <a:t>测试</a:t>
-            </a:r>
-            <a:endParaRPr lang="zh-CN" altLang="en-US" sz="3600" dirty="0"/>
-          </a:p>
-        </p:txBody>
-      </p:sp>
-      <p:sp>
-        <p:nvSpPr>
-          <p:cNvPr id="5" name="椭圆 4"/>
-          <p:cNvSpPr/>
-          <p:nvPr/>
-        </p:nvSpPr>
-        <p:spPr>
-          <a:xfrm>
-            <a:off x="1619672" y="4545124"/>
-            <a:ext cx="2736304" cy="1656184"/>
-          </a:xfrm>
-          <a:prstGeom prst="ellipse">
-            <a:avLst/>
-          </a:prstGeom>
-        </p:spPr>
-        <p:style>
-          <a:lnRef idx="2">
-            <a:schemeClr val="accent1">
-              <a:shade val="50000"/>
-            </a:schemeClr>
-          </a:lnRef>
-          <a:fillRef idx="1">
-            <a:schemeClr val="accent1"/>
-          </a:fillRef>
-          <a:effectRef idx="0">
-            <a:schemeClr val="accent1"/>
-          </a:effectRef>
-          <a:fontRef idx="minor">
-            <a:schemeClr val="lt1"/>
-          </a:fontRef>
-        </p:style>
-        <p:txBody>
-          <a:bodyPr rtlCol="0" anchor="ctr"/>
-          <a:lstStyle/>
-          <a:p>
-            <a:pPr algn="ctr"/>
-            <a:r>
-              <a:rPr lang="zh-CN" altLang="en-US" sz="3600" dirty="0" smtClean="0"/>
-              <a:t>自动化测试</a:t>
-            </a:r>
-            <a:endParaRPr lang="zh-CN" altLang="en-US" sz="3600" dirty="0"/>
-          </a:p>
-        </p:txBody>
-      </p:sp>
-      <p:sp>
-        <p:nvSpPr>
-          <p:cNvPr id="6" name="TextBox 5"/>
-          <p:cNvSpPr txBox="1"/>
-          <p:nvPr/>
-        </p:nvSpPr>
-        <p:spPr>
-          <a:xfrm>
-            <a:off x="1619672" y="3360767"/>
-            <a:ext cx="1800200" cy="1015663"/>
-          </a:xfrm>
-          <a:prstGeom prst="rect">
-            <a:avLst/>
-          </a:prstGeom>
-          <a:noFill/>
-        </p:spPr>
-        <p:txBody>
-          <a:bodyPr wrap="square" rtlCol="0">
-            <a:spAutoFit/>
-          </a:bodyPr>
-          <a:lstStyle/>
-          <a:p>
-            <a:r>
-              <a:rPr lang="en-US" altLang="zh-CN" sz="6000" dirty="0" err="1" smtClean="0"/>
-              <a:t>VS</a:t>
-            </a:r>
-            <a:endParaRPr lang="zh-CN" altLang="en-US" sz="6000" dirty="0"/>
-          </a:p>
-        </p:txBody>
-      </p:sp>
-      <p:sp>
-        <p:nvSpPr>
-          <p:cNvPr id="8" name="矩形 7"/>
-          <p:cNvSpPr/>
-          <p:nvPr/>
-        </p:nvSpPr>
-        <p:spPr>
-          <a:xfrm>
-            <a:off x="5508104" y="944724"/>
-            <a:ext cx="3240360" cy="1080120"/>
-          </a:xfrm>
-          <a:prstGeom prst="rect">
-            <a:avLst/>
-          </a:prstGeom>
-        </p:spPr>
-        <p:style>
-          <a:lnRef idx="2">
-            <a:schemeClr val="accent1">
-              <a:shade val="50000"/>
-            </a:schemeClr>
-          </a:lnRef>
-          <a:fillRef idx="1">
-            <a:schemeClr val="accent1"/>
-          </a:fillRef>
-          <a:effectRef idx="0">
-            <a:schemeClr val="accent1"/>
-          </a:effectRef>
-          <a:fontRef idx="minor">
-            <a:schemeClr val="lt1"/>
-          </a:fontRef>
-        </p:style>
-        <p:txBody>
-          <a:bodyPr rtlCol="0" anchor="ctr"/>
-          <a:lstStyle/>
-          <a:p>
-            <a:pPr algn="ctr"/>
-            <a:r>
-              <a:rPr lang="zh-CN" altLang="en-US" sz="2800" dirty="0"/>
-              <a:t>自动化测试的</a:t>
-            </a:r>
-            <a:r>
-              <a:rPr lang="zh-CN" altLang="en-US" sz="2800" dirty="0" smtClean="0"/>
-              <a:t>定义</a:t>
-            </a:r>
-            <a:endParaRPr lang="zh-CN" altLang="en-US" sz="2800" dirty="0"/>
-          </a:p>
-        </p:txBody>
-      </p:sp>
-      <p:sp>
-        <p:nvSpPr>
-          <p:cNvPr id="9" name="矩形 8"/>
-          <p:cNvSpPr/>
-          <p:nvPr/>
-        </p:nvSpPr>
-        <p:spPr>
-          <a:xfrm>
-            <a:off x="5529824" y="3104964"/>
-            <a:ext cx="3218640" cy="1080120"/>
-          </a:xfrm>
-          <a:prstGeom prst="rect">
-            <a:avLst/>
-          </a:prstGeom>
-        </p:spPr>
-        <p:style>
-          <a:lnRef idx="2">
-            <a:schemeClr val="accent1">
-              <a:shade val="50000"/>
-            </a:schemeClr>
-          </a:lnRef>
-          <a:fillRef idx="1">
-            <a:schemeClr val="accent1"/>
-          </a:fillRef>
-          <a:effectRef idx="0">
-            <a:schemeClr val="accent1"/>
-          </a:effectRef>
-          <a:fontRef idx="minor">
-            <a:schemeClr val="lt1"/>
-          </a:fontRef>
-        </p:style>
-        <p:txBody>
-          <a:bodyPr rtlCol="0" anchor="ctr"/>
-          <a:lstStyle/>
-          <a:p>
-            <a:pPr algn="ctr"/>
-            <a:r>
-              <a:rPr lang="zh-CN" altLang="en-US" sz="2800"/>
-              <a:t>为什么使用自动化测试？</a:t>
-            </a:r>
-            <a:endParaRPr lang="zh-CN" altLang="en-US" sz="2800" dirty="0"/>
-          </a:p>
-        </p:txBody>
-      </p:sp>
-      <p:sp>
-        <p:nvSpPr>
-          <p:cNvPr id="10" name="矩形 9"/>
-          <p:cNvSpPr/>
-          <p:nvPr/>
-        </p:nvSpPr>
-        <p:spPr>
-          <a:xfrm>
-            <a:off x="5436096" y="5265204"/>
-            <a:ext cx="3218640" cy="1080120"/>
-          </a:xfrm>
-          <a:prstGeom prst="rect">
-            <a:avLst/>
-          </a:prstGeom>
-        </p:spPr>
-        <p:style>
-          <a:lnRef idx="2">
-            <a:schemeClr val="accent1">
-              <a:shade val="50000"/>
-            </a:schemeClr>
-          </a:lnRef>
-          <a:fillRef idx="1">
-            <a:schemeClr val="accent1"/>
-          </a:fillRef>
-          <a:effectRef idx="0">
-            <a:schemeClr val="accent1"/>
-          </a:effectRef>
-          <a:fontRef idx="minor">
-            <a:schemeClr val="lt1"/>
-          </a:fontRef>
-        </p:style>
-        <p:txBody>
-          <a:bodyPr rtlCol="0" anchor="ctr"/>
-          <a:lstStyle/>
-          <a:p>
-            <a:pPr algn="ctr"/>
-            <a:r>
-              <a:rPr lang="zh-CN" altLang="en-US" sz="2800" dirty="0" smtClean="0"/>
-              <a:t>自动化测试的特征</a:t>
-            </a:r>
-            <a:endParaRPr lang="zh-CN" altLang="en-US" sz="2800" dirty="0"/>
-          </a:p>
-        </p:txBody>
-      </p:sp>
-      <p:sp>
-        <p:nvSpPr>
-          <p:cNvPr id="11" name="下箭头 10"/>
-          <p:cNvSpPr/>
-          <p:nvPr/>
-        </p:nvSpPr>
-        <p:spPr>
-          <a:xfrm>
-            <a:off x="6876256" y="2024844"/>
-            <a:ext cx="262888" cy="1080120"/>
-          </a:xfrm>
-          <a:prstGeom prst="downArrow">
-            <a:avLst/>
-          </a:prstGeom>
-        </p:spPr>
-        <p:style>
-          <a:lnRef idx="2">
-            <a:schemeClr val="accent1">
-              <a:shade val="50000"/>
-            </a:schemeClr>
-          </a:lnRef>
-          <a:fillRef idx="1">
-            <a:schemeClr val="accent1"/>
-          </a:fillRef>
-          <a:effectRef idx="0">
-            <a:schemeClr val="accent1"/>
-          </a:effectRef>
-          <a:fontRef idx="minor">
-            <a:schemeClr val="lt1"/>
-          </a:fontRef>
-        </p:style>
-        <p:txBody>
-          <a:bodyPr rtlCol="0" anchor="ctr"/>
-          <a:lstStyle/>
-          <a:p>
-            <a:pPr algn="ctr"/>
-            <a:endParaRPr lang="zh-CN" altLang="en-US"/>
-          </a:p>
-        </p:txBody>
-      </p:sp>
-      <p:sp>
-        <p:nvSpPr>
-          <p:cNvPr id="12" name="下箭头 11"/>
-          <p:cNvSpPr/>
-          <p:nvPr/>
-        </p:nvSpPr>
-        <p:spPr>
-          <a:xfrm>
-            <a:off x="6865396" y="4185084"/>
-            <a:ext cx="262888" cy="1080120"/>
-          </a:xfrm>
-          <a:prstGeom prst="downArrow">
-            <a:avLst/>
-          </a:prstGeom>
-        </p:spPr>
-        <p:style>
-          <a:lnRef idx="2">
-            <a:schemeClr val="accent1">
-              <a:shade val="50000"/>
-            </a:schemeClr>
-          </a:lnRef>
-          <a:fillRef idx="1">
-            <a:schemeClr val="accent1"/>
-          </a:fillRef>
-          <a:effectRef idx="0">
-            <a:schemeClr val="accent1"/>
-          </a:effectRef>
-          <a:fontRef idx="minor">
-            <a:schemeClr val="lt1"/>
-          </a:fontRef>
-        </p:style>
-        <p:txBody>
-          <a:bodyPr rtlCol="0" anchor="ctr"/>
-          <a:lstStyle/>
-          <a:p>
-            <a:pPr algn="ctr"/>
-            <a:endParaRPr lang="zh-CN" altLang="en-US"/>
-          </a:p>
-        </p:txBody>
-      </p:sp>
-      <p:sp>
-        <p:nvSpPr>
-          <p:cNvPr id="7" name="圆角矩形 6"/>
-          <p:cNvSpPr/>
-          <p:nvPr/>
-        </p:nvSpPr>
-        <p:spPr>
-          <a:xfrm>
-            <a:off x="5292080" y="836712"/>
-            <a:ext cx="3744416" cy="1368152"/>
-          </a:xfrm>
-          <a:prstGeom prst="roundRect">
-            <a:avLst/>
-          </a:prstGeom>
-          <a:noFill/>
-          <a:ln>
-            <a:solidFill>
-              <a:srgbClr val="FF0000"/>
-            </a:solidFill>
-          </a:ln>
-        </p:spPr>
-        <p:style>
-          <a:lnRef idx="2">
-            <a:schemeClr val="accent1">
-              <a:shade val="50000"/>
-            </a:schemeClr>
-          </a:lnRef>
-          <a:fillRef idx="1">
-            <a:schemeClr val="accent1"/>
-          </a:fillRef>
-          <a:effectRef idx="0">
-            <a:schemeClr val="accent1"/>
-          </a:effectRef>
-          <a:fontRef idx="minor">
-            <a:schemeClr val="lt1"/>
-          </a:fontRef>
-        </p:style>
-        <p:txBody>
-          <a:bodyPr rtlCol="0" anchor="ctr"/>
-          <a:lstStyle/>
-          <a:p>
-            <a:pPr algn="ctr"/>
-            <a:endParaRPr lang="zh-CN" altLang="en-US"/>
           </a:p>
         </p:txBody>
       </p:sp>
     </p:spTree>
     <p:extLst>
       <p:ext uri="{BB962C8B-B14F-4D97-AF65-F5344CB8AC3E}">
-        <p14:creationId xmlns:p14="http://schemas.microsoft.com/office/powerpoint/2010/main" val="621080357"/>
+        <p14:creationId xmlns:p14="http://schemas.microsoft.com/office/powerpoint/2010/main" val="4131941123"/>
       </p:ext>
     </p:extLst>
   </p:cSld>
@@ -8555,8 +8554,8 @@
           <a:p>
             <a:pPr algn="ctr"/>
             <a:r>
-              <a:rPr lang="zh-CN" altLang="en-US" sz="2000" dirty="0" smtClean="0"/>
-              <a:t>为什么使用自动化测试？</a:t>
+              <a:rPr lang="zh-CN" altLang="en-US" sz="2000" dirty="0"/>
+              <a:t>自动化测试的定义</a:t>
             </a:r>
             <a:endParaRPr lang="zh-CN" altLang="en-US" sz="2000" dirty="0"/>
           </a:p>
@@ -8599,8 +8598,8 @@
           <a:p>
             <a:pPr algn="ctr"/>
             <a:r>
-              <a:rPr lang="zh-CN" altLang="en-US" sz="2000" dirty="0" smtClean="0"/>
-              <a:t>自动化测试的定义</a:t>
+              <a:rPr lang="zh-CN" altLang="en-US" sz="2000" dirty="0"/>
+              <a:t>为什么使用自动化测试？</a:t>
             </a:r>
             <a:endParaRPr lang="zh-CN" altLang="en-US" sz="2000" dirty="0"/>
           </a:p>
@@ -8703,52 +8702,6 @@
           <a:prstGeom prst="downArrow">
             <a:avLst/>
           </a:prstGeom>
-        </p:spPr>
-        <p:style>
-          <a:lnRef idx="2">
-            <a:schemeClr val="accent1">
-              <a:shade val="50000"/>
-            </a:schemeClr>
-          </a:lnRef>
-          <a:fillRef idx="1">
-            <a:schemeClr val="accent1"/>
-          </a:fillRef>
-          <a:effectRef idx="0">
-            <a:schemeClr val="accent1"/>
-          </a:effectRef>
-          <a:fontRef idx="minor">
-            <a:schemeClr val="lt1"/>
-          </a:fontRef>
-        </p:style>
-        <p:txBody>
-          <a:bodyPr rtlCol="0" anchor="ctr"/>
-          <a:lstStyle/>
-          <a:p>
-            <a:pPr algn="ctr"/>
-            <a:endParaRPr lang="zh-CN" altLang="en-US" sz="1400"/>
-          </a:p>
-        </p:txBody>
-      </p:sp>
-      <p:sp>
-        <p:nvSpPr>
-          <p:cNvPr id="10" name="圆角矩形 9"/>
-          <p:cNvSpPr/>
-          <p:nvPr/>
-        </p:nvSpPr>
-        <p:spPr>
-          <a:xfrm>
-            <a:off x="166161" y="2853872"/>
-            <a:ext cx="3092839" cy="938505"/>
-          </a:xfrm>
-          <a:prstGeom prst="roundRect">
-            <a:avLst/>
-          </a:prstGeom>
-          <a:noFill/>
-          <a:ln>
-            <a:solidFill>
-              <a:srgbClr val="FF0000"/>
-            </a:solidFill>
-          </a:ln>
         </p:spPr>
         <p:style>
           <a:lnRef idx="2">
@@ -9224,6 +9177,52 @@
               </a:spcAft>
             </a:pPr>
             <a:endParaRPr lang="zh-CN" altLang="en-US" dirty="0"/>
+          </a:p>
+        </p:txBody>
+      </p:sp>
+      <p:sp>
+        <p:nvSpPr>
+          <p:cNvPr id="16" name="圆角矩形 15"/>
+          <p:cNvSpPr/>
+          <p:nvPr/>
+        </p:nvSpPr>
+        <p:spPr>
+          <a:xfrm>
+            <a:off x="107504" y="4293096"/>
+            <a:ext cx="3092839" cy="938505"/>
+          </a:xfrm>
+          <a:prstGeom prst="roundRect">
+            <a:avLst/>
+          </a:prstGeom>
+          <a:noFill/>
+          <a:ln>
+            <a:solidFill>
+              <a:srgbClr val="FF0000"/>
+            </a:solidFill>
+          </a:ln>
+        </p:spPr>
+        <p:style>
+          <a:lnRef idx="2">
+            <a:schemeClr val="accent1">
+              <a:shade val="50000"/>
+            </a:schemeClr>
+          </a:lnRef>
+          <a:fillRef idx="1">
+            <a:schemeClr val="accent1"/>
+          </a:fillRef>
+          <a:effectRef idx="0">
+            <a:schemeClr val="accent1"/>
+          </a:effectRef>
+          <a:fontRef idx="minor">
+            <a:schemeClr val="lt1"/>
+          </a:fontRef>
+        </p:style>
+        <p:txBody>
+          <a:bodyPr rtlCol="0" anchor="ctr"/>
+          <a:lstStyle/>
+          <a:p>
+            <a:pPr algn="ctr"/>
+            <a:endParaRPr lang="zh-CN" altLang="en-US" sz="1400"/>
           </a:p>
         </p:txBody>
       </p:sp>

--- a/PPT/01 Base of Autotest.pptx
+++ b/PPT/01 Base of Autotest.pptx
@@ -127,7 +127,7 @@
   </p:defaultTextStyle>
   <p:extLst>
     <p:ext uri="{EFAFB233-063F-42B5-8137-9DF3F51BA10A}">
-      <p15:sldGuideLst xmlns:p15="http://schemas.microsoft.com/office/powerpoint/2012/main" xmlns="">
+      <p15:sldGuideLst xmlns="" xmlns:p15="http://schemas.microsoft.com/office/powerpoint/2012/main">
         <p15:guide id="1" orient="horz" pos="2160">
           <p15:clr>
             <a:srgbClr val="A4A3A4"/>
@@ -6333,21 +6333,29 @@
           <a:lstStyle/>
           <a:p>
             <a:r>
-              <a:rPr lang="zh-CN" altLang="en-US" smtClean="0"/>
+              <a:rPr lang="zh-CN" altLang="en-US" dirty="0" smtClean="0"/>
               <a:t>自动化测试概述</a:t>
             </a:r>
-            <a:endParaRPr lang="en-US" altLang="zh-CN" smtClean="0"/>
-          </a:p>
-          <a:p>
-            <a:r>
-              <a:rPr lang="zh-CN" altLang="en-US" smtClean="0"/>
+            <a:endParaRPr lang="en-US" altLang="zh-CN" dirty="0" smtClean="0"/>
+          </a:p>
+          <a:p>
+            <a:r>
+              <a:rPr lang="zh-CN" altLang="en-US" dirty="0" smtClean="0">
+                <a:solidFill>
+                  <a:srgbClr val="FF0000"/>
+                </a:solidFill>
+              </a:rPr>
               <a:t>自动化测试分类</a:t>
             </a:r>
-            <a:endParaRPr lang="en-US" altLang="zh-CN" smtClean="0"/>
-          </a:p>
-          <a:p>
-            <a:r>
-              <a:rPr lang="zh-CN" altLang="en-US" smtClean="0"/>
+            <a:endParaRPr lang="en-US" altLang="zh-CN" dirty="0" smtClean="0">
+              <a:solidFill>
+                <a:srgbClr val="FF0000"/>
+              </a:solidFill>
+            </a:endParaRPr>
+          </a:p>
+          <a:p>
+            <a:r>
+              <a:rPr lang="zh-CN" altLang="en-US" dirty="0" smtClean="0"/>
               <a:t>自动化测试工具</a:t>
             </a:r>
             <a:endParaRPr lang="en-US" altLang="zh-CN" dirty="0"/>
@@ -8557,7 +8565,6 @@
               <a:rPr lang="zh-CN" altLang="en-US" sz="2000" dirty="0"/>
               <a:t>自动化测试的定义</a:t>
             </a:r>
-            <a:endParaRPr lang="zh-CN" altLang="en-US" sz="2000" dirty="0"/>
           </a:p>
         </p:txBody>
       </p:sp>
@@ -8601,7 +8608,6 @@
               <a:rPr lang="zh-CN" altLang="en-US" sz="2000" dirty="0"/>
               <a:t>为什么使用自动化测试？</a:t>
             </a:r>
-            <a:endParaRPr lang="zh-CN" altLang="en-US" sz="2000" dirty="0"/>
           </a:p>
         </p:txBody>
       </p:sp>
@@ -10520,14 +10526,6 @@
             <a:pPr lvl="1"/>
             <a:r>
               <a:rPr lang="zh-CN" altLang="en-US" dirty="0" smtClean="0"/>
-              <a:t>重复性的测试</a:t>
-            </a:r>
-            <a:endParaRPr lang="en-US" altLang="zh-CN" dirty="0" smtClean="0"/>
-          </a:p>
-          <a:p>
-            <a:pPr lvl="1"/>
-            <a:r>
-              <a:rPr lang="zh-CN" altLang="en-US" dirty="0" smtClean="0"/>
               <a:t>手工测试无法实现的工作</a:t>
             </a:r>
             <a:endParaRPr lang="en-US" altLang="zh-CN" dirty="0" smtClean="0"/>
